--- a/WebApp (Group 46) HTML + JavaScript].pptx
+++ b/WebApp (Group 46) HTML + JavaScript].pptx
@@ -6,20 +6,21 @@
   </p:sldMasterIdLst>
   <p:sldIdLst>
     <p:sldId id="256" r:id="rId2"/>
-    <p:sldId id="257" r:id="rId3"/>
-    <p:sldId id="260" r:id="rId4"/>
-    <p:sldId id="259" r:id="rId5"/>
-    <p:sldId id="261" r:id="rId6"/>
-    <p:sldId id="258" r:id="rId7"/>
-    <p:sldId id="262" r:id="rId8"/>
-    <p:sldId id="263" r:id="rId9"/>
-    <p:sldId id="264" r:id="rId10"/>
-    <p:sldId id="265" r:id="rId11"/>
-    <p:sldId id="266" r:id="rId12"/>
-    <p:sldId id="267" r:id="rId13"/>
-    <p:sldId id="268" r:id="rId14"/>
-    <p:sldId id="269" r:id="rId15"/>
-    <p:sldId id="270" r:id="rId16"/>
+    <p:sldId id="271" r:id="rId3"/>
+    <p:sldId id="257" r:id="rId4"/>
+    <p:sldId id="260" r:id="rId5"/>
+    <p:sldId id="259" r:id="rId6"/>
+    <p:sldId id="261" r:id="rId7"/>
+    <p:sldId id="258" r:id="rId8"/>
+    <p:sldId id="262" r:id="rId9"/>
+    <p:sldId id="263" r:id="rId10"/>
+    <p:sldId id="264" r:id="rId11"/>
+    <p:sldId id="265" r:id="rId12"/>
+    <p:sldId id="266" r:id="rId13"/>
+    <p:sldId id="267" r:id="rId14"/>
+    <p:sldId id="268" r:id="rId15"/>
+    <p:sldId id="269" r:id="rId16"/>
+    <p:sldId id="270" r:id="rId17"/>
   </p:sldIdLst>
   <p:sldSz cx="12192000" cy="6858000"/>
   <p:notesSz cx="6858000" cy="9144000"/>
@@ -118,6 +119,11 @@
       </a:defRPr>
     </a:lvl9pPr>
   </p:defaultTextStyle>
+  <p:extLst>
+    <p:ext uri="{EFAFB233-063F-42B5-8137-9DF3F51BA10A}">
+      <p15:sldGuideLst xmlns:p15="http://schemas.microsoft.com/office/powerpoint/2012/main"/>
+    </p:ext>
+  </p:extLst>
 </p:presentation>
 </file>
 
@@ -256,7 +262,7 @@
           <a:p>
             <a:fld id="{AA758586-7189-4C7E-91D2-AE5E154D2DD5}" type="datetimeFigureOut">
               <a:rPr lang="de-DE" smtClean="0"/>
-              <a:t>24.05.2017</a:t>
+              <a:t>26.05.2017</a:t>
             </a:fld>
             <a:endParaRPr lang="de-DE"/>
           </a:p>
@@ -298,7 +304,7 @@
           <a:p>
             <a:fld id="{3F519978-A3B6-4D66-BBFB-722CDA29460D}" type="slidenum">
               <a:rPr lang="de-DE" smtClean="0"/>
-              <a:t>‹#›</a:t>
+              <a:t>‹Nr.›</a:t>
             </a:fld>
             <a:endParaRPr lang="de-DE"/>
           </a:p>
@@ -426,7 +432,7 @@
           <a:p>
             <a:fld id="{AA758586-7189-4C7E-91D2-AE5E154D2DD5}" type="datetimeFigureOut">
               <a:rPr lang="de-DE" smtClean="0"/>
-              <a:t>24.05.2017</a:t>
+              <a:t>26.05.2017</a:t>
             </a:fld>
             <a:endParaRPr lang="de-DE"/>
           </a:p>
@@ -468,7 +474,7 @@
           <a:p>
             <a:fld id="{3F519978-A3B6-4D66-BBFB-722CDA29460D}" type="slidenum">
               <a:rPr lang="de-DE" smtClean="0"/>
-              <a:t>‹#›</a:t>
+              <a:t>‹Nr.›</a:t>
             </a:fld>
             <a:endParaRPr lang="de-DE"/>
           </a:p>
@@ -606,7 +612,7 @@
           <a:p>
             <a:fld id="{AA758586-7189-4C7E-91D2-AE5E154D2DD5}" type="datetimeFigureOut">
               <a:rPr lang="de-DE" smtClean="0"/>
-              <a:t>24.05.2017</a:t>
+              <a:t>26.05.2017</a:t>
             </a:fld>
             <a:endParaRPr lang="de-DE"/>
           </a:p>
@@ -648,7 +654,7 @@
           <a:p>
             <a:fld id="{3F519978-A3B6-4D66-BBFB-722CDA29460D}" type="slidenum">
               <a:rPr lang="de-DE" smtClean="0"/>
-              <a:t>‹#›</a:t>
+              <a:t>‹Nr.›</a:t>
             </a:fld>
             <a:endParaRPr lang="de-DE"/>
           </a:p>
@@ -776,7 +782,7 @@
           <a:p>
             <a:fld id="{AA758586-7189-4C7E-91D2-AE5E154D2DD5}" type="datetimeFigureOut">
               <a:rPr lang="de-DE" smtClean="0"/>
-              <a:t>24.05.2017</a:t>
+              <a:t>26.05.2017</a:t>
             </a:fld>
             <a:endParaRPr lang="de-DE"/>
           </a:p>
@@ -818,7 +824,7 @@
           <a:p>
             <a:fld id="{3F519978-A3B6-4D66-BBFB-722CDA29460D}" type="slidenum">
               <a:rPr lang="de-DE" smtClean="0"/>
-              <a:t>‹#›</a:t>
+              <a:t>‹Nr.›</a:t>
             </a:fld>
             <a:endParaRPr lang="de-DE"/>
           </a:p>
@@ -1022,7 +1028,7 @@
           <a:p>
             <a:fld id="{AA758586-7189-4C7E-91D2-AE5E154D2DD5}" type="datetimeFigureOut">
               <a:rPr lang="de-DE" smtClean="0"/>
-              <a:t>24.05.2017</a:t>
+              <a:t>26.05.2017</a:t>
             </a:fld>
             <a:endParaRPr lang="de-DE"/>
           </a:p>
@@ -1064,7 +1070,7 @@
           <a:p>
             <a:fld id="{3F519978-A3B6-4D66-BBFB-722CDA29460D}" type="slidenum">
               <a:rPr lang="de-DE" smtClean="0"/>
-              <a:t>‹#›</a:t>
+              <a:t>‹Nr.›</a:t>
             </a:fld>
             <a:endParaRPr lang="de-DE"/>
           </a:p>
@@ -1254,7 +1260,7 @@
           <a:p>
             <a:fld id="{AA758586-7189-4C7E-91D2-AE5E154D2DD5}" type="datetimeFigureOut">
               <a:rPr lang="de-DE" smtClean="0"/>
-              <a:t>24.05.2017</a:t>
+              <a:t>26.05.2017</a:t>
             </a:fld>
             <a:endParaRPr lang="de-DE"/>
           </a:p>
@@ -1296,7 +1302,7 @@
           <a:p>
             <a:fld id="{3F519978-A3B6-4D66-BBFB-722CDA29460D}" type="slidenum">
               <a:rPr lang="de-DE" smtClean="0"/>
-              <a:t>‹#›</a:t>
+              <a:t>‹Nr.›</a:t>
             </a:fld>
             <a:endParaRPr lang="de-DE"/>
           </a:p>
@@ -1621,7 +1627,7 @@
           <a:p>
             <a:fld id="{AA758586-7189-4C7E-91D2-AE5E154D2DD5}" type="datetimeFigureOut">
               <a:rPr lang="de-DE" smtClean="0"/>
-              <a:t>24.05.2017</a:t>
+              <a:t>26.05.2017</a:t>
             </a:fld>
             <a:endParaRPr lang="de-DE"/>
           </a:p>
@@ -1663,7 +1669,7 @@
           <a:p>
             <a:fld id="{3F519978-A3B6-4D66-BBFB-722CDA29460D}" type="slidenum">
               <a:rPr lang="de-DE" smtClean="0"/>
-              <a:t>‹#›</a:t>
+              <a:t>‹Nr.›</a:t>
             </a:fld>
             <a:endParaRPr lang="de-DE"/>
           </a:p>
@@ -1739,7 +1745,7 @@
           <a:p>
             <a:fld id="{AA758586-7189-4C7E-91D2-AE5E154D2DD5}" type="datetimeFigureOut">
               <a:rPr lang="de-DE" smtClean="0"/>
-              <a:t>24.05.2017</a:t>
+              <a:t>26.05.2017</a:t>
             </a:fld>
             <a:endParaRPr lang="de-DE"/>
           </a:p>
@@ -1781,7 +1787,7 @@
           <a:p>
             <a:fld id="{3F519978-A3B6-4D66-BBFB-722CDA29460D}" type="slidenum">
               <a:rPr lang="de-DE" smtClean="0"/>
-              <a:t>‹#›</a:t>
+              <a:t>‹Nr.›</a:t>
             </a:fld>
             <a:endParaRPr lang="de-DE"/>
           </a:p>
@@ -1834,7 +1840,7 @@
           <a:p>
             <a:fld id="{AA758586-7189-4C7E-91D2-AE5E154D2DD5}" type="datetimeFigureOut">
               <a:rPr lang="de-DE" smtClean="0"/>
-              <a:t>24.05.2017</a:t>
+              <a:t>26.05.2017</a:t>
             </a:fld>
             <a:endParaRPr lang="de-DE"/>
           </a:p>
@@ -1876,7 +1882,7 @@
           <a:p>
             <a:fld id="{3F519978-A3B6-4D66-BBFB-722CDA29460D}" type="slidenum">
               <a:rPr lang="de-DE" smtClean="0"/>
-              <a:t>‹#›</a:t>
+              <a:t>‹Nr.›</a:t>
             </a:fld>
             <a:endParaRPr lang="de-DE"/>
           </a:p>
@@ -2111,7 +2117,7 @@
           <a:p>
             <a:fld id="{AA758586-7189-4C7E-91D2-AE5E154D2DD5}" type="datetimeFigureOut">
               <a:rPr lang="de-DE" smtClean="0"/>
-              <a:t>24.05.2017</a:t>
+              <a:t>26.05.2017</a:t>
             </a:fld>
             <a:endParaRPr lang="de-DE"/>
           </a:p>
@@ -2153,7 +2159,7 @@
           <a:p>
             <a:fld id="{3F519978-A3B6-4D66-BBFB-722CDA29460D}" type="slidenum">
               <a:rPr lang="de-DE" smtClean="0"/>
-              <a:t>‹#›</a:t>
+              <a:t>‹Nr.›</a:t>
             </a:fld>
             <a:endParaRPr lang="de-DE"/>
           </a:p>
@@ -2364,7 +2370,7 @@
           <a:p>
             <a:fld id="{AA758586-7189-4C7E-91D2-AE5E154D2DD5}" type="datetimeFigureOut">
               <a:rPr lang="de-DE" smtClean="0"/>
-              <a:t>24.05.2017</a:t>
+              <a:t>26.05.2017</a:t>
             </a:fld>
             <a:endParaRPr lang="de-DE"/>
           </a:p>
@@ -2406,7 +2412,7 @@
           <a:p>
             <a:fld id="{3F519978-A3B6-4D66-BBFB-722CDA29460D}" type="slidenum">
               <a:rPr lang="de-DE" smtClean="0"/>
-              <a:t>‹#›</a:t>
+              <a:t>‹Nr.›</a:t>
             </a:fld>
             <a:endParaRPr lang="de-DE"/>
           </a:p>
@@ -2577,7 +2583,7 @@
           <a:p>
             <a:fld id="{AA758586-7189-4C7E-91D2-AE5E154D2DD5}" type="datetimeFigureOut">
               <a:rPr lang="de-DE" smtClean="0"/>
-              <a:t>24.05.2017</a:t>
+              <a:t>26.05.2017</a:t>
             </a:fld>
             <a:endParaRPr lang="de-DE"/>
           </a:p>
@@ -2655,7 +2661,7 @@
           <a:p>
             <a:fld id="{3F519978-A3B6-4D66-BBFB-722CDA29460D}" type="slidenum">
               <a:rPr lang="de-DE" smtClean="0"/>
-              <a:t>‹#›</a:t>
+              <a:t>‹Nr.›</a:t>
             </a:fld>
             <a:endParaRPr lang="de-DE"/>
           </a:p>
@@ -3119,7 +3125,7 @@
             <a:pPr algn="ctr"/>
             <a:r>
               <a:rPr lang="de-DE" dirty="0"/>
-              <a:t>Detailansicht (detail1.html) [2]</a:t>
+              <a:t>Detailansicht (detail1.html) [1]</a:t>
             </a:r>
           </a:p>
         </p:txBody>
@@ -3146,8 +3152,8 @@
         </p:blipFill>
         <p:spPr>
           <a:xfrm>
-            <a:off x="5695406" y="1358538"/>
-            <a:ext cx="6321334" cy="5329646"/>
+            <a:off x="5408023" y="1338400"/>
+            <a:ext cx="6609805" cy="5428159"/>
           </a:xfrm>
           <a:prstGeom prst="rect">
             <a:avLst/>
@@ -3163,9 +3169,9 @@
           <p:nvPr/>
         </p:nvCxnSpPr>
         <p:spPr>
-          <a:xfrm>
-            <a:off x="4399293" y="1879370"/>
-            <a:ext cx="1876184" cy="373011"/>
+          <a:xfrm flipV="1">
+            <a:off x="4070679" y="1968613"/>
+            <a:ext cx="1814325" cy="309653"/>
           </a:xfrm>
           <a:prstGeom prst="straightConnector1">
             <a:avLst/>
@@ -3206,9 +3212,9 @@
           <p:nvPr/>
         </p:nvCxnSpPr>
         <p:spPr>
-          <a:xfrm flipV="1">
-            <a:off x="4399293" y="2821577"/>
-            <a:ext cx="2191394" cy="156755"/>
+          <a:xfrm>
+            <a:off x="4070679" y="2278266"/>
+            <a:ext cx="2580679" cy="490562"/>
           </a:xfrm>
           <a:prstGeom prst="straightConnector1">
             <a:avLst/>
@@ -3249,9 +3255,9 @@
           <p:nvPr/>
         </p:nvCxnSpPr>
         <p:spPr>
-          <a:xfrm>
-            <a:off x="4399293" y="2978331"/>
-            <a:ext cx="2191394" cy="397839"/>
+          <a:xfrm flipV="1">
+            <a:off x="5172891" y="3315516"/>
+            <a:ext cx="2526438" cy="279671"/>
           </a:xfrm>
           <a:prstGeom prst="straightConnector1">
             <a:avLst/>
@@ -3283,84 +3289,18 @@
           </a:fontRef>
         </p:style>
       </p:cxnSp>
-      <p:sp>
-        <p:nvSpPr>
-          <p:cNvPr id="13" name="TextBox 12"/>
-          <p:cNvSpPr txBox="1"/>
-          <p:nvPr/>
-        </p:nvSpPr>
-        <p:spPr>
-          <a:xfrm>
-            <a:off x="540019" y="1419423"/>
-            <a:ext cx="3583510" cy="923330"/>
-          </a:xfrm>
-          <a:prstGeom prst="rect">
-            <a:avLst/>
-          </a:prstGeom>
-          <a:noFill/>
-        </p:spPr>
-        <p:txBody>
-          <a:bodyPr wrap="square" rtlCol="0">
-            <a:spAutoFit/>
-          </a:bodyPr>
-          <a:lstStyle/>
-          <a:p>
-            <a:r>
-              <a:rPr lang="de-DE" dirty="0"/>
-              <a:t>Dieses Formelement &lt;form&gt; soll von dem Nutzer ausgefüllt und abgeschickt werden können</a:t>
-            </a:r>
-          </a:p>
-        </p:txBody>
-      </p:sp>
-      <p:sp>
-        <p:nvSpPr>
-          <p:cNvPr id="22" name="TextBox 21"/>
-          <p:cNvSpPr txBox="1"/>
-          <p:nvPr/>
-        </p:nvSpPr>
-        <p:spPr>
-          <a:xfrm>
-            <a:off x="838200" y="2576788"/>
-            <a:ext cx="3583510" cy="1200329"/>
-          </a:xfrm>
-          <a:prstGeom prst="rect">
-            <a:avLst/>
-          </a:prstGeom>
-          <a:noFill/>
-        </p:spPr>
-        <p:txBody>
-          <a:bodyPr wrap="square" rtlCol="0">
-            <a:spAutoFit/>
-          </a:bodyPr>
-          <a:lstStyle/>
-          <a:p>
-            <a:r>
-              <a:rPr lang="de-DE" dirty="0"/>
-              <a:t>Die &lt;</a:t>
-            </a:r>
-            <a:r>
-              <a:rPr lang="de-DE" dirty="0" err="1"/>
-              <a:t>input</a:t>
-            </a:r>
-            <a:r>
-              <a:rPr lang="de-DE" dirty="0"/>
-              <a:t>&gt; Elemente können vom Nutzer z.B. mit Text (wird mit dem Attribut „type“ festgelegt) befüllt werden.</a:t>
-            </a:r>
-          </a:p>
-        </p:txBody>
-      </p:sp>
       <p:cxnSp>
         <p:nvCxnSpPr>
-          <p:cNvPr id="23" name="Straight Arrow Connector 22"/>
+          <p:cNvPr id="9" name="Straight Arrow Connector 8"/>
           <p:cNvCxnSpPr>
             <a:cxnSpLocks/>
           </p:cNvCxnSpPr>
           <p:nvPr/>
         </p:nvCxnSpPr>
         <p:spPr>
-          <a:xfrm flipV="1">
-            <a:off x="4007422" y="5118457"/>
-            <a:ext cx="2232008" cy="312110"/>
+          <a:xfrm>
+            <a:off x="5264331" y="3595187"/>
+            <a:ext cx="2376402" cy="268765"/>
           </a:xfrm>
           <a:prstGeom prst="straightConnector1">
             <a:avLst/>
@@ -3392,18 +3332,55 @@
           </a:fontRef>
         </p:style>
       </p:cxnSp>
+      <p:sp>
+        <p:nvSpPr>
+          <p:cNvPr id="11" name="TextBox 10"/>
+          <p:cNvSpPr txBox="1"/>
+          <p:nvPr/>
+        </p:nvSpPr>
+        <p:spPr>
+          <a:xfrm>
+            <a:off x="487169" y="1690688"/>
+            <a:ext cx="3583510" cy="1200329"/>
+          </a:xfrm>
+          <a:prstGeom prst="rect">
+            <a:avLst/>
+          </a:prstGeom>
+          <a:noFill/>
+        </p:spPr>
+        <p:txBody>
+          <a:bodyPr wrap="square" rtlCol="0">
+            <a:spAutoFit/>
+          </a:bodyPr>
+          <a:lstStyle/>
+          <a:p>
+            <a:r>
+              <a:rPr lang="de-DE" dirty="0"/>
+              <a:t>Hier ist ein Tabellenelement in ein anderes verschachtelt im &lt;</a:t>
+            </a:r>
+            <a:r>
+              <a:rPr lang="de-DE" dirty="0" err="1"/>
+              <a:t>td</a:t>
+            </a:r>
+            <a:r>
+              <a:rPr lang="de-DE" dirty="0"/>
+              <a:t>&gt; Element. So kann das Bild links von der Tabelle positioniert werden.</a:t>
+            </a:r>
+          </a:p>
+        </p:txBody>
+      </p:sp>
       <p:cxnSp>
         <p:nvCxnSpPr>
-          <p:cNvPr id="24" name="Straight Arrow Connector 23"/>
+          <p:cNvPr id="14" name="Straight Arrow Connector 13"/>
           <p:cNvCxnSpPr>
             <a:cxnSpLocks/>
           </p:cNvCxnSpPr>
           <p:nvPr/>
         </p:nvCxnSpPr>
         <p:spPr>
-          <a:xfrm flipV="1">
-            <a:off x="4545874" y="3918129"/>
-            <a:ext cx="2044813" cy="405677"/>
+          <a:xfrm>
+            <a:off x="5172891" y="3595187"/>
+            <a:ext cx="2467842" cy="902507"/>
           </a:xfrm>
           <a:prstGeom prst="straightConnector1">
             <a:avLst/>
@@ -3437,14 +3414,14 @@
       </p:cxnSp>
       <p:sp>
         <p:nvSpPr>
-          <p:cNvPr id="26" name="TextBox 25"/>
+          <p:cNvPr id="18" name="TextBox 17"/>
           <p:cNvSpPr txBox="1"/>
           <p:nvPr/>
         </p:nvSpPr>
         <p:spPr>
           <a:xfrm>
-            <a:off x="1475048" y="3749175"/>
-            <a:ext cx="3583510" cy="1200329"/>
+            <a:off x="1946366" y="2873463"/>
+            <a:ext cx="3559628" cy="1754326"/>
           </a:xfrm>
           <a:prstGeom prst="rect">
             <a:avLst/>
@@ -3459,44 +3436,88 @@
           <a:p>
             <a:r>
               <a:rPr lang="de-DE" dirty="0"/>
-              <a:t>Das &lt;</a:t>
+              <a:t>Die Datenzellen &lt;</a:t>
             </a:r>
             <a:r>
               <a:rPr lang="de-DE" dirty="0" err="1"/>
-              <a:t>button</a:t>
-            </a:r>
-            <a:r>
-              <a:rPr lang="de-DE" dirty="0"/>
-              <a:t>&gt; Element kann vom Nutzer geklickt werden. Die zugewiesene </a:t>
+              <a:t>td</a:t>
+            </a:r>
+            <a:r>
+              <a:rPr lang="de-DE" dirty="0"/>
+              <a:t>&gt; werden mit einer </a:t>
             </a:r>
             <a:r>
               <a:rPr lang="de-DE" dirty="0" err="1"/>
-              <a:t>Id</a:t>
-            </a:r>
-            <a:r>
-              <a:rPr lang="de-DE" dirty="0"/>
-              <a:t> dient zum Eventhandling durch </a:t>
+              <a:t>id</a:t>
+            </a:r>
+            <a:r>
+              <a:rPr lang="de-DE" dirty="0"/>
+              <a:t> ausgezeichnet, damit sie später mit Hilfe von </a:t>
             </a:r>
             <a:r>
               <a:rPr lang="de-DE" dirty="0" err="1"/>
-              <a:t>Jquery</a:t>
-            </a:r>
-            <a:r>
-              <a:rPr lang="de-DE" dirty="0"/>
-              <a:t>.</a:t>
-            </a:r>
-          </a:p>
-        </p:txBody>
-      </p:sp>
-      <p:sp>
-        <p:nvSpPr>
-          <p:cNvPr id="29" name="TextBox 28"/>
+              <a:t>JQuery</a:t>
+            </a:r>
+            <a:r>
+              <a:rPr lang="de-DE" dirty="0"/>
+              <a:t>  ausgewählt und dynamisch mit Inhalt (Zahlen) befüllt werden können</a:t>
+            </a:r>
+          </a:p>
+        </p:txBody>
+      </p:sp>
+      <p:cxnSp>
+        <p:nvCxnSpPr>
+          <p:cNvPr id="20" name="Straight Arrow Connector 19"/>
+          <p:cNvCxnSpPr>
+            <a:cxnSpLocks/>
+            <a:stCxn id="23" idx="3"/>
+          </p:cNvCxnSpPr>
+          <p:nvPr/>
+        </p:nvCxnSpPr>
+        <p:spPr>
+          <a:xfrm flipV="1">
+            <a:off x="4872446" y="5269899"/>
+            <a:ext cx="2826883" cy="100534"/>
+          </a:xfrm>
+          <a:prstGeom prst="straightConnector1">
+            <a:avLst/>
+          </a:prstGeom>
+          <a:ln>
+            <a:headEnd type="none" w="med" len="med"/>
+            <a:tailEnd type="arrow" w="med" len="med"/>
+          </a:ln>
+          <a:scene3d>
+            <a:camera prst="orthographicFront"/>
+            <a:lightRig rig="threePt" dir="t"/>
+          </a:scene3d>
+          <a:sp3d>
+            <a:bevelT w="152400" h="50800" prst="softRound"/>
+          </a:sp3d>
+        </p:spPr>
+        <p:style>
+          <a:lnRef idx="3">
+            <a:schemeClr val="accent2"/>
+          </a:lnRef>
+          <a:fillRef idx="0">
+            <a:schemeClr val="accent2"/>
+          </a:fillRef>
+          <a:effectRef idx="2">
+            <a:schemeClr val="accent2"/>
+          </a:effectRef>
+          <a:fontRef idx="minor">
+            <a:schemeClr val="tx1"/>
+          </a:fontRef>
+        </p:style>
+      </p:cxnSp>
+      <p:sp>
+        <p:nvSpPr>
+          <p:cNvPr id="23" name="TextBox 22"/>
           <p:cNvSpPr txBox="1"/>
           <p:nvPr/>
         </p:nvSpPr>
         <p:spPr>
           <a:xfrm>
-            <a:off x="815783" y="5118457"/>
+            <a:off x="1288936" y="4770268"/>
             <a:ext cx="3583510" cy="1200329"/>
           </a:xfrm>
           <a:prstGeom prst="rect">
@@ -3512,7 +3533,7 @@
           <a:p>
             <a:r>
               <a:rPr lang="de-DE" dirty="0"/>
-              <a:t>Die Tabelle kann mit Elementen (Spalten, Zeilen) dynamisch befüllt werden. Der Zugriff erfolgt, wie davor über das </a:t>
+              <a:t>Die &lt;div&gt;, die die Warnung (&lt;h3&gt;, &lt;p&gt;) enthält kriegt auch eine </a:t>
             </a:r>
             <a:r>
               <a:rPr lang="de-DE" dirty="0" err="1"/>
@@ -3520,7 +3541,7 @@
             </a:r>
             <a:r>
               <a:rPr lang="de-DE" dirty="0"/>
-              <a:t>-Attribut.</a:t>
+              <a:t> zugewiesen, um später dynamisch angezeigt zu werden.</a:t>
             </a:r>
           </a:p>
         </p:txBody>
@@ -3528,7 +3549,7 @@
     </p:spTree>
     <p:extLst>
       <p:ext uri="{BB962C8B-B14F-4D97-AF65-F5344CB8AC3E}">
-        <p14:creationId xmlns:p14="http://schemas.microsoft.com/office/powerpoint/2010/main" val="1429717258"/>
+        <p14:creationId xmlns:p14="http://schemas.microsoft.com/office/powerpoint/2010/main" val="68242493"/>
       </p:ext>
     </p:extLst>
   </p:cSld>
@@ -3565,12 +3586,7 @@
             <p:ph type="title"/>
           </p:nvPr>
         </p:nvSpPr>
-        <p:spPr>
-          <a:xfrm>
-            <a:off x="916577" y="2350679"/>
-            <a:ext cx="10515600" cy="1325563"/>
-          </a:xfrm>
-        </p:spPr>
+        <p:spPr/>
         <p:txBody>
           <a:bodyPr/>
           <a:lstStyle/>
@@ -3578,7 +3594,408 @@
             <a:pPr algn="ctr"/>
             <a:r>
               <a:rPr lang="de-DE" dirty="0"/>
-              <a:t>JavaScript</a:t>
+              <a:t>Detailansicht (detail1.html) [2]</a:t>
+            </a:r>
+          </a:p>
+        </p:txBody>
+      </p:sp>
+      <p:pic>
+        <p:nvPicPr>
+          <p:cNvPr id="5" name="Picture 4"/>
+          <p:cNvPicPr>
+            <a:picLocks noChangeAspect="1"/>
+          </p:cNvPicPr>
+          <p:nvPr/>
+        </p:nvPicPr>
+        <p:blipFill>
+          <a:blip r:embed="rId2">
+            <a:extLst>
+              <a:ext uri="{28A0092B-C50C-407E-A947-70E740481C1C}">
+                <a14:useLocalDpi xmlns:a14="http://schemas.microsoft.com/office/drawing/2010/main" val="0"/>
+              </a:ext>
+            </a:extLst>
+          </a:blip>
+          <a:stretch>
+            <a:fillRect/>
+          </a:stretch>
+        </p:blipFill>
+        <p:spPr>
+          <a:xfrm>
+            <a:off x="5695406" y="1358538"/>
+            <a:ext cx="6321334" cy="5329646"/>
+          </a:xfrm>
+          <a:prstGeom prst="rect">
+            <a:avLst/>
+          </a:prstGeom>
+        </p:spPr>
+      </p:pic>
+      <p:cxnSp>
+        <p:nvCxnSpPr>
+          <p:cNvPr id="6" name="Straight Arrow Connector 5"/>
+          <p:cNvCxnSpPr>
+            <a:cxnSpLocks/>
+          </p:cNvCxnSpPr>
+          <p:nvPr/>
+        </p:nvCxnSpPr>
+        <p:spPr>
+          <a:xfrm>
+            <a:off x="4399293" y="1879370"/>
+            <a:ext cx="1876184" cy="373011"/>
+          </a:xfrm>
+          <a:prstGeom prst="straightConnector1">
+            <a:avLst/>
+          </a:prstGeom>
+          <a:ln>
+            <a:headEnd type="none" w="med" len="med"/>
+            <a:tailEnd type="arrow" w="med" len="med"/>
+          </a:ln>
+          <a:scene3d>
+            <a:camera prst="orthographicFront"/>
+            <a:lightRig rig="threePt" dir="t"/>
+          </a:scene3d>
+          <a:sp3d>
+            <a:bevelT w="152400" h="50800" prst="softRound"/>
+          </a:sp3d>
+        </p:spPr>
+        <p:style>
+          <a:lnRef idx="3">
+            <a:schemeClr val="accent2"/>
+          </a:lnRef>
+          <a:fillRef idx="0">
+            <a:schemeClr val="accent2"/>
+          </a:fillRef>
+          <a:effectRef idx="2">
+            <a:schemeClr val="accent2"/>
+          </a:effectRef>
+          <a:fontRef idx="minor">
+            <a:schemeClr val="tx1"/>
+          </a:fontRef>
+        </p:style>
+      </p:cxnSp>
+      <p:cxnSp>
+        <p:nvCxnSpPr>
+          <p:cNvPr id="7" name="Straight Arrow Connector 6"/>
+          <p:cNvCxnSpPr>
+            <a:cxnSpLocks/>
+          </p:cNvCxnSpPr>
+          <p:nvPr/>
+        </p:nvCxnSpPr>
+        <p:spPr>
+          <a:xfrm flipV="1">
+            <a:off x="4399293" y="2821577"/>
+            <a:ext cx="2191394" cy="156755"/>
+          </a:xfrm>
+          <a:prstGeom prst="straightConnector1">
+            <a:avLst/>
+          </a:prstGeom>
+          <a:ln>
+            <a:headEnd type="none" w="med" len="med"/>
+            <a:tailEnd type="arrow" w="med" len="med"/>
+          </a:ln>
+          <a:scene3d>
+            <a:camera prst="orthographicFront"/>
+            <a:lightRig rig="threePt" dir="t"/>
+          </a:scene3d>
+          <a:sp3d>
+            <a:bevelT w="152400" h="50800" prst="softRound"/>
+          </a:sp3d>
+        </p:spPr>
+        <p:style>
+          <a:lnRef idx="3">
+            <a:schemeClr val="accent2"/>
+          </a:lnRef>
+          <a:fillRef idx="0">
+            <a:schemeClr val="accent2"/>
+          </a:fillRef>
+          <a:effectRef idx="2">
+            <a:schemeClr val="accent2"/>
+          </a:effectRef>
+          <a:fontRef idx="minor">
+            <a:schemeClr val="tx1"/>
+          </a:fontRef>
+        </p:style>
+      </p:cxnSp>
+      <p:cxnSp>
+        <p:nvCxnSpPr>
+          <p:cNvPr id="8" name="Straight Arrow Connector 7"/>
+          <p:cNvCxnSpPr>
+            <a:cxnSpLocks/>
+          </p:cNvCxnSpPr>
+          <p:nvPr/>
+        </p:nvCxnSpPr>
+        <p:spPr>
+          <a:xfrm>
+            <a:off x="4399293" y="2978331"/>
+            <a:ext cx="2191394" cy="397839"/>
+          </a:xfrm>
+          <a:prstGeom prst="straightConnector1">
+            <a:avLst/>
+          </a:prstGeom>
+          <a:ln>
+            <a:headEnd type="none" w="med" len="med"/>
+            <a:tailEnd type="arrow" w="med" len="med"/>
+          </a:ln>
+          <a:scene3d>
+            <a:camera prst="orthographicFront"/>
+            <a:lightRig rig="threePt" dir="t"/>
+          </a:scene3d>
+          <a:sp3d>
+            <a:bevelT w="152400" h="50800" prst="softRound"/>
+          </a:sp3d>
+        </p:spPr>
+        <p:style>
+          <a:lnRef idx="3">
+            <a:schemeClr val="accent2"/>
+          </a:lnRef>
+          <a:fillRef idx="0">
+            <a:schemeClr val="accent2"/>
+          </a:fillRef>
+          <a:effectRef idx="2">
+            <a:schemeClr val="accent2"/>
+          </a:effectRef>
+          <a:fontRef idx="minor">
+            <a:schemeClr val="tx1"/>
+          </a:fontRef>
+        </p:style>
+      </p:cxnSp>
+      <p:sp>
+        <p:nvSpPr>
+          <p:cNvPr id="13" name="TextBox 12"/>
+          <p:cNvSpPr txBox="1"/>
+          <p:nvPr/>
+        </p:nvSpPr>
+        <p:spPr>
+          <a:xfrm>
+            <a:off x="540019" y="1419423"/>
+            <a:ext cx="3583510" cy="923330"/>
+          </a:xfrm>
+          <a:prstGeom prst="rect">
+            <a:avLst/>
+          </a:prstGeom>
+          <a:noFill/>
+        </p:spPr>
+        <p:txBody>
+          <a:bodyPr wrap="square" rtlCol="0">
+            <a:spAutoFit/>
+          </a:bodyPr>
+          <a:lstStyle/>
+          <a:p>
+            <a:r>
+              <a:rPr lang="de-DE" dirty="0"/>
+              <a:t>Dieses Formelement &lt;form&gt; soll von dem Nutzer ausgefüllt und abgeschickt werden können</a:t>
+            </a:r>
+          </a:p>
+        </p:txBody>
+      </p:sp>
+      <p:sp>
+        <p:nvSpPr>
+          <p:cNvPr id="22" name="TextBox 21"/>
+          <p:cNvSpPr txBox="1"/>
+          <p:nvPr/>
+        </p:nvSpPr>
+        <p:spPr>
+          <a:xfrm>
+            <a:off x="838200" y="2576788"/>
+            <a:ext cx="3583510" cy="1200329"/>
+          </a:xfrm>
+          <a:prstGeom prst="rect">
+            <a:avLst/>
+          </a:prstGeom>
+          <a:noFill/>
+        </p:spPr>
+        <p:txBody>
+          <a:bodyPr wrap="square" rtlCol="0">
+            <a:spAutoFit/>
+          </a:bodyPr>
+          <a:lstStyle/>
+          <a:p>
+            <a:r>
+              <a:rPr lang="de-DE" dirty="0"/>
+              <a:t>Die &lt;</a:t>
+            </a:r>
+            <a:r>
+              <a:rPr lang="de-DE" dirty="0" err="1"/>
+              <a:t>input</a:t>
+            </a:r>
+            <a:r>
+              <a:rPr lang="de-DE" dirty="0"/>
+              <a:t>&gt; Elemente können vom Nutzer z.B. mit Text (wird mit dem Attribut „type“ festgelegt) befüllt werden.</a:t>
+            </a:r>
+          </a:p>
+        </p:txBody>
+      </p:sp>
+      <p:cxnSp>
+        <p:nvCxnSpPr>
+          <p:cNvPr id="23" name="Straight Arrow Connector 22"/>
+          <p:cNvCxnSpPr>
+            <a:cxnSpLocks/>
+          </p:cNvCxnSpPr>
+          <p:nvPr/>
+        </p:nvCxnSpPr>
+        <p:spPr>
+          <a:xfrm flipV="1">
+            <a:off x="4007422" y="5118457"/>
+            <a:ext cx="2232008" cy="312110"/>
+          </a:xfrm>
+          <a:prstGeom prst="straightConnector1">
+            <a:avLst/>
+          </a:prstGeom>
+          <a:ln>
+            <a:headEnd type="none" w="med" len="med"/>
+            <a:tailEnd type="arrow" w="med" len="med"/>
+          </a:ln>
+          <a:scene3d>
+            <a:camera prst="orthographicFront"/>
+            <a:lightRig rig="threePt" dir="t"/>
+          </a:scene3d>
+          <a:sp3d>
+            <a:bevelT w="152400" h="50800" prst="softRound"/>
+          </a:sp3d>
+        </p:spPr>
+        <p:style>
+          <a:lnRef idx="3">
+            <a:schemeClr val="accent2"/>
+          </a:lnRef>
+          <a:fillRef idx="0">
+            <a:schemeClr val="accent2"/>
+          </a:fillRef>
+          <a:effectRef idx="2">
+            <a:schemeClr val="accent2"/>
+          </a:effectRef>
+          <a:fontRef idx="minor">
+            <a:schemeClr val="tx1"/>
+          </a:fontRef>
+        </p:style>
+      </p:cxnSp>
+      <p:cxnSp>
+        <p:nvCxnSpPr>
+          <p:cNvPr id="24" name="Straight Arrow Connector 23"/>
+          <p:cNvCxnSpPr>
+            <a:cxnSpLocks/>
+          </p:cNvCxnSpPr>
+          <p:nvPr/>
+        </p:nvCxnSpPr>
+        <p:spPr>
+          <a:xfrm flipV="1">
+            <a:off x="4545874" y="3918129"/>
+            <a:ext cx="2044813" cy="405677"/>
+          </a:xfrm>
+          <a:prstGeom prst="straightConnector1">
+            <a:avLst/>
+          </a:prstGeom>
+          <a:ln>
+            <a:headEnd type="none" w="med" len="med"/>
+            <a:tailEnd type="arrow" w="med" len="med"/>
+          </a:ln>
+          <a:scene3d>
+            <a:camera prst="orthographicFront"/>
+            <a:lightRig rig="threePt" dir="t"/>
+          </a:scene3d>
+          <a:sp3d>
+            <a:bevelT w="152400" h="50800" prst="softRound"/>
+          </a:sp3d>
+        </p:spPr>
+        <p:style>
+          <a:lnRef idx="3">
+            <a:schemeClr val="accent2"/>
+          </a:lnRef>
+          <a:fillRef idx="0">
+            <a:schemeClr val="accent2"/>
+          </a:fillRef>
+          <a:effectRef idx="2">
+            <a:schemeClr val="accent2"/>
+          </a:effectRef>
+          <a:fontRef idx="minor">
+            <a:schemeClr val="tx1"/>
+          </a:fontRef>
+        </p:style>
+      </p:cxnSp>
+      <p:sp>
+        <p:nvSpPr>
+          <p:cNvPr id="26" name="TextBox 25"/>
+          <p:cNvSpPr txBox="1"/>
+          <p:nvPr/>
+        </p:nvSpPr>
+        <p:spPr>
+          <a:xfrm>
+            <a:off x="1475048" y="3749175"/>
+            <a:ext cx="3583510" cy="1200329"/>
+          </a:xfrm>
+          <a:prstGeom prst="rect">
+            <a:avLst/>
+          </a:prstGeom>
+          <a:noFill/>
+        </p:spPr>
+        <p:txBody>
+          <a:bodyPr wrap="square" rtlCol="0">
+            <a:spAutoFit/>
+          </a:bodyPr>
+          <a:lstStyle/>
+          <a:p>
+            <a:r>
+              <a:rPr lang="de-DE" dirty="0"/>
+              <a:t>Das &lt;</a:t>
+            </a:r>
+            <a:r>
+              <a:rPr lang="de-DE" dirty="0" err="1"/>
+              <a:t>button</a:t>
+            </a:r>
+            <a:r>
+              <a:rPr lang="de-DE" dirty="0"/>
+              <a:t>&gt; Element kann vom Nutzer geklickt werden. Die zugewiesene </a:t>
+            </a:r>
+            <a:r>
+              <a:rPr lang="de-DE" dirty="0" err="1"/>
+              <a:t>Id</a:t>
+            </a:r>
+            <a:r>
+              <a:rPr lang="de-DE" dirty="0"/>
+              <a:t> dient zum Eventhandling durch </a:t>
+            </a:r>
+            <a:r>
+              <a:rPr lang="de-DE" dirty="0" err="1"/>
+              <a:t>Jquery</a:t>
+            </a:r>
+            <a:r>
+              <a:rPr lang="de-DE" dirty="0"/>
+              <a:t>.</a:t>
+            </a:r>
+          </a:p>
+        </p:txBody>
+      </p:sp>
+      <p:sp>
+        <p:nvSpPr>
+          <p:cNvPr id="29" name="TextBox 28"/>
+          <p:cNvSpPr txBox="1"/>
+          <p:nvPr/>
+        </p:nvSpPr>
+        <p:spPr>
+          <a:xfrm>
+            <a:off x="815783" y="5118457"/>
+            <a:ext cx="3583510" cy="1200329"/>
+          </a:xfrm>
+          <a:prstGeom prst="rect">
+            <a:avLst/>
+          </a:prstGeom>
+          <a:noFill/>
+        </p:spPr>
+        <p:txBody>
+          <a:bodyPr wrap="square" rtlCol="0">
+            <a:spAutoFit/>
+          </a:bodyPr>
+          <a:lstStyle/>
+          <a:p>
+            <a:r>
+              <a:rPr lang="de-DE" dirty="0"/>
+              <a:t>Die Tabelle kann mit Elementen (Spalten, Zeilen) dynamisch befüllt werden. Der Zugriff erfolgt, wie davor über das </a:t>
+            </a:r>
+            <a:r>
+              <a:rPr lang="de-DE" dirty="0" err="1"/>
+              <a:t>Id</a:t>
+            </a:r>
+            <a:r>
+              <a:rPr lang="de-DE" dirty="0"/>
+              <a:t>-Attribut.</a:t>
             </a:r>
           </a:p>
         </p:txBody>
@@ -3586,7 +4003,7 @@
     </p:spTree>
     <p:extLst>
       <p:ext uri="{BB962C8B-B14F-4D97-AF65-F5344CB8AC3E}">
-        <p14:creationId xmlns:p14="http://schemas.microsoft.com/office/powerpoint/2010/main" val="1164445215"/>
+        <p14:creationId xmlns:p14="http://schemas.microsoft.com/office/powerpoint/2010/main" val="1429717258"/>
       </p:ext>
     </p:extLst>
   </p:cSld>
@@ -3623,7 +4040,12 @@
             <p:ph type="title"/>
           </p:nvPr>
         </p:nvSpPr>
-        <p:spPr/>
+        <p:spPr>
+          <a:xfrm>
+            <a:off x="916577" y="2350679"/>
+            <a:ext cx="10515600" cy="1325563"/>
+          </a:xfrm>
+        </p:spPr>
         <p:txBody>
           <a:bodyPr/>
           <a:lstStyle/>
@@ -3631,456 +4053,15 @@
             <a:pPr algn="ctr"/>
             <a:r>
               <a:rPr lang="de-DE" dirty="0"/>
-              <a:t>Deklaration/Initialisierung von Variablen</a:t>
-            </a:r>
-          </a:p>
-        </p:txBody>
-      </p:sp>
-      <p:pic>
-        <p:nvPicPr>
-          <p:cNvPr id="5" name="Picture 4"/>
-          <p:cNvPicPr>
-            <a:picLocks noChangeAspect="1"/>
-          </p:cNvPicPr>
-          <p:nvPr/>
-        </p:nvPicPr>
-        <p:blipFill>
-          <a:blip r:embed="rId2">
-            <a:extLst>
-              <a:ext uri="{28A0092B-C50C-407E-A947-70E740481C1C}">
-                <a14:useLocalDpi xmlns:a14="http://schemas.microsoft.com/office/drawing/2010/main" val="0"/>
-              </a:ext>
-            </a:extLst>
-          </a:blip>
-          <a:stretch>
-            <a:fillRect/>
-          </a:stretch>
-        </p:blipFill>
-        <p:spPr>
-          <a:xfrm>
-            <a:off x="3000778" y="2834231"/>
-            <a:ext cx="7731860" cy="1803082"/>
-          </a:xfrm>
-          <a:prstGeom prst="rect">
-            <a:avLst/>
-          </a:prstGeom>
-        </p:spPr>
-      </p:pic>
-      <p:cxnSp>
-        <p:nvCxnSpPr>
-          <p:cNvPr id="7" name="Straight Arrow Connector 6"/>
-          <p:cNvCxnSpPr>
-            <a:cxnSpLocks/>
-          </p:cNvCxnSpPr>
-          <p:nvPr/>
-        </p:nvCxnSpPr>
-        <p:spPr>
-          <a:xfrm>
-            <a:off x="2273951" y="2749452"/>
-            <a:ext cx="726826" cy="264657"/>
-          </a:xfrm>
-          <a:prstGeom prst="straightConnector1">
-            <a:avLst/>
-          </a:prstGeom>
-          <a:ln>
-            <a:headEnd type="none" w="med" len="med"/>
-            <a:tailEnd type="arrow" w="med" len="med"/>
-          </a:ln>
-          <a:scene3d>
-            <a:camera prst="orthographicFront"/>
-            <a:lightRig rig="threePt" dir="t"/>
-          </a:scene3d>
-          <a:sp3d>
-            <a:bevelT w="152400" h="50800" prst="softRound"/>
-          </a:sp3d>
-        </p:spPr>
-        <p:style>
-          <a:lnRef idx="3">
-            <a:schemeClr val="accent2"/>
-          </a:lnRef>
-          <a:fillRef idx="0">
-            <a:schemeClr val="accent2"/>
-          </a:fillRef>
-          <a:effectRef idx="2">
-            <a:schemeClr val="accent2"/>
-          </a:effectRef>
-          <a:fontRef idx="minor">
-            <a:schemeClr val="tx1"/>
-          </a:fontRef>
-        </p:style>
-      </p:cxnSp>
-      <p:cxnSp>
-        <p:nvCxnSpPr>
-          <p:cNvPr id="11" name="Straight Arrow Connector 10"/>
-          <p:cNvCxnSpPr>
-            <a:cxnSpLocks/>
-          </p:cNvCxnSpPr>
-          <p:nvPr/>
-        </p:nvCxnSpPr>
-        <p:spPr>
-          <a:xfrm>
-            <a:off x="2259873" y="2764047"/>
-            <a:ext cx="740904" cy="500124"/>
-          </a:xfrm>
-          <a:prstGeom prst="straightConnector1">
-            <a:avLst/>
-          </a:prstGeom>
-          <a:ln>
-            <a:headEnd type="none" w="med" len="med"/>
-            <a:tailEnd type="arrow" w="med" len="med"/>
-          </a:ln>
-          <a:scene3d>
-            <a:camera prst="orthographicFront"/>
-            <a:lightRig rig="threePt" dir="t"/>
-          </a:scene3d>
-          <a:sp3d>
-            <a:bevelT w="152400" h="50800" prst="softRound"/>
-          </a:sp3d>
-        </p:spPr>
-        <p:style>
-          <a:lnRef idx="3">
-            <a:schemeClr val="accent2"/>
-          </a:lnRef>
-          <a:fillRef idx="0">
-            <a:schemeClr val="accent2"/>
-          </a:fillRef>
-          <a:effectRef idx="2">
-            <a:schemeClr val="accent2"/>
-          </a:effectRef>
-          <a:fontRef idx="minor">
-            <a:schemeClr val="tx1"/>
-          </a:fontRef>
-        </p:style>
-      </p:cxnSp>
-      <p:sp>
-        <p:nvSpPr>
-          <p:cNvPr id="13" name="TextBox 12"/>
-          <p:cNvSpPr txBox="1"/>
-          <p:nvPr/>
-        </p:nvSpPr>
-        <p:spPr>
-          <a:xfrm>
-            <a:off x="468760" y="1996753"/>
-            <a:ext cx="2532017" cy="923330"/>
-          </a:xfrm>
-          <a:prstGeom prst="rect">
-            <a:avLst/>
-          </a:prstGeom>
-          <a:noFill/>
-        </p:spPr>
-        <p:txBody>
-          <a:bodyPr wrap="square" rtlCol="0">
-            <a:spAutoFit/>
-          </a:bodyPr>
-          <a:lstStyle/>
-          <a:p>
-            <a:r>
-              <a:rPr lang="de-DE" dirty="0"/>
-              <a:t>Die Ober- und Untergrenze für die Spannung</a:t>
-            </a:r>
-          </a:p>
-        </p:txBody>
-      </p:sp>
-      <p:cxnSp>
-        <p:nvCxnSpPr>
-          <p:cNvPr id="16" name="Straight Arrow Connector 15"/>
-          <p:cNvCxnSpPr>
-            <a:cxnSpLocks/>
-          </p:cNvCxnSpPr>
-          <p:nvPr/>
-        </p:nvCxnSpPr>
-        <p:spPr>
-          <a:xfrm flipV="1">
-            <a:off x="2259873" y="3843573"/>
-            <a:ext cx="711101" cy="187892"/>
-          </a:xfrm>
-          <a:prstGeom prst="straightConnector1">
-            <a:avLst/>
-          </a:prstGeom>
-          <a:ln>
-            <a:headEnd type="none" w="med" len="med"/>
-            <a:tailEnd type="arrow" w="med" len="med"/>
-          </a:ln>
-          <a:scene3d>
-            <a:camera prst="orthographicFront"/>
-            <a:lightRig rig="threePt" dir="t"/>
-          </a:scene3d>
-          <a:sp3d>
-            <a:bevelT w="152400" h="50800" prst="softRound"/>
-          </a:sp3d>
-        </p:spPr>
-        <p:style>
-          <a:lnRef idx="3">
-            <a:schemeClr val="accent2"/>
-          </a:lnRef>
-          <a:fillRef idx="0">
-            <a:schemeClr val="accent2"/>
-          </a:fillRef>
-          <a:effectRef idx="2">
-            <a:schemeClr val="accent2"/>
-          </a:effectRef>
-          <a:fontRef idx="minor">
-            <a:schemeClr val="tx1"/>
-          </a:fontRef>
-        </p:style>
-      </p:cxnSp>
-      <p:sp>
-        <p:nvSpPr>
-          <p:cNvPr id="19" name="TextBox 18"/>
-          <p:cNvSpPr txBox="1"/>
-          <p:nvPr/>
-        </p:nvSpPr>
-        <p:spPr>
-          <a:xfrm>
-            <a:off x="0" y="3843573"/>
-            <a:ext cx="2532017" cy="1200329"/>
-          </a:xfrm>
-          <a:prstGeom prst="rect">
-            <a:avLst/>
-          </a:prstGeom>
-          <a:noFill/>
-        </p:spPr>
-        <p:txBody>
-          <a:bodyPr wrap="square" rtlCol="0">
-            <a:spAutoFit/>
-          </a:bodyPr>
-          <a:lstStyle/>
-          <a:p>
-            <a:r>
-              <a:rPr lang="de-DE" dirty="0"/>
-              <a:t>Das heutige Datum im passenden Format in der Variable „heute“ gespeichert. </a:t>
-            </a:r>
-          </a:p>
-        </p:txBody>
-      </p:sp>
-      <p:cxnSp>
-        <p:nvCxnSpPr>
-          <p:cNvPr id="23" name="Straight Arrow Connector 22"/>
-          <p:cNvCxnSpPr>
-            <a:cxnSpLocks/>
-          </p:cNvCxnSpPr>
-          <p:nvPr/>
-        </p:nvCxnSpPr>
-        <p:spPr>
-          <a:xfrm flipH="1">
-            <a:off x="4558938" y="2528166"/>
-            <a:ext cx="783771" cy="972680"/>
-          </a:xfrm>
-          <a:prstGeom prst="straightConnector1">
-            <a:avLst/>
-          </a:prstGeom>
-          <a:ln>
-            <a:headEnd type="none" w="med" len="med"/>
-            <a:tailEnd type="arrow" w="med" len="med"/>
-          </a:ln>
-          <a:scene3d>
-            <a:camera prst="orthographicFront"/>
-            <a:lightRig rig="threePt" dir="t"/>
-          </a:scene3d>
-          <a:sp3d>
-            <a:bevelT w="152400" h="50800" prst="softRound"/>
-          </a:sp3d>
-        </p:spPr>
-        <p:style>
-          <a:lnRef idx="3">
-            <a:schemeClr val="accent2"/>
-          </a:lnRef>
-          <a:fillRef idx="0">
-            <a:schemeClr val="accent2"/>
-          </a:fillRef>
-          <a:effectRef idx="2">
-            <a:schemeClr val="accent2"/>
-          </a:effectRef>
-          <a:fontRef idx="minor">
-            <a:schemeClr val="tx1"/>
-          </a:fontRef>
-        </p:style>
-      </p:cxnSp>
-      <p:sp>
-        <p:nvSpPr>
-          <p:cNvPr id="28" name="TextBox 27"/>
-          <p:cNvSpPr txBox="1"/>
-          <p:nvPr/>
-        </p:nvSpPr>
-        <p:spPr>
-          <a:xfrm>
-            <a:off x="4334691" y="1629281"/>
-            <a:ext cx="2532017" cy="923330"/>
-          </a:xfrm>
-          <a:prstGeom prst="rect">
-            <a:avLst/>
-          </a:prstGeom>
-          <a:noFill/>
-        </p:spPr>
-        <p:txBody>
-          <a:bodyPr wrap="square" rtlCol="0">
-            <a:spAutoFit/>
-          </a:bodyPr>
-          <a:lstStyle/>
-          <a:p>
-            <a:r>
-              <a:rPr lang="de-DE" dirty="0"/>
-              <a:t>Das Objekt Date wird mit Hilfe des Schlüsselwortes „</a:t>
-            </a:r>
-            <a:r>
-              <a:rPr lang="de-DE" dirty="0" err="1"/>
-              <a:t>new</a:t>
-            </a:r>
-            <a:r>
-              <a:rPr lang="de-DE" dirty="0"/>
-              <a:t>“ instanziiert.</a:t>
-            </a:r>
-          </a:p>
-        </p:txBody>
-      </p:sp>
-      <p:cxnSp>
-        <p:nvCxnSpPr>
-          <p:cNvPr id="29" name="Straight Arrow Connector 28"/>
-          <p:cNvCxnSpPr>
-            <a:cxnSpLocks/>
-          </p:cNvCxnSpPr>
-          <p:nvPr/>
-        </p:nvCxnSpPr>
-        <p:spPr>
-          <a:xfrm flipH="1" flipV="1">
-            <a:off x="3650243" y="4660715"/>
-            <a:ext cx="477620" cy="516436"/>
-          </a:xfrm>
-          <a:prstGeom prst="straightConnector1">
-            <a:avLst/>
-          </a:prstGeom>
-          <a:ln>
-            <a:headEnd type="none" w="med" len="med"/>
-            <a:tailEnd type="arrow" w="med" len="med"/>
-          </a:ln>
-          <a:scene3d>
-            <a:camera prst="orthographicFront"/>
-            <a:lightRig rig="threePt" dir="t"/>
-          </a:scene3d>
-          <a:sp3d>
-            <a:bevelT w="152400" h="50800" prst="softRound"/>
-          </a:sp3d>
-        </p:spPr>
-        <p:style>
-          <a:lnRef idx="3">
-            <a:schemeClr val="accent2"/>
-          </a:lnRef>
-          <a:fillRef idx="0">
-            <a:schemeClr val="accent2"/>
-          </a:fillRef>
-          <a:effectRef idx="2">
-            <a:schemeClr val="accent2"/>
-          </a:effectRef>
-          <a:fontRef idx="minor">
-            <a:schemeClr val="tx1"/>
-          </a:fontRef>
-        </p:style>
-      </p:cxnSp>
-      <p:sp>
-        <p:nvSpPr>
-          <p:cNvPr id="35" name="TextBox 34"/>
-          <p:cNvSpPr txBox="1"/>
-          <p:nvPr/>
-        </p:nvSpPr>
-        <p:spPr>
-          <a:xfrm>
-            <a:off x="1873975" y="5319191"/>
-            <a:ext cx="5213169" cy="923330"/>
-          </a:xfrm>
-          <a:prstGeom prst="rect">
-            <a:avLst/>
-          </a:prstGeom>
-          <a:noFill/>
-        </p:spPr>
-        <p:txBody>
-          <a:bodyPr wrap="square" rtlCol="0">
-            <a:spAutoFit/>
-          </a:bodyPr>
-          <a:lstStyle/>
-          <a:p>
-            <a:r>
-              <a:rPr lang="de-DE" dirty="0"/>
-              <a:t>Strom und Spannung werden mit Hilfe der Funktion </a:t>
-            </a:r>
-            <a:r>
-              <a:rPr lang="de-DE" spc="-150" dirty="0" err="1"/>
-              <a:t>randomNumberFromRange</a:t>
-            </a:r>
-            <a:r>
-              <a:rPr lang="de-DE" spc="-150" dirty="0"/>
-              <a:t> (</a:t>
-            </a:r>
-            <a:r>
-              <a:rPr lang="de-DE" spc="-150" dirty="0" err="1"/>
-              <a:t>minNumber</a:t>
-            </a:r>
-            <a:r>
-              <a:rPr lang="de-DE" spc="-150" dirty="0"/>
-              <a:t>, </a:t>
-            </a:r>
-            <a:r>
-              <a:rPr lang="de-DE" spc="-150" dirty="0" err="1"/>
-              <a:t>maxNumber</a:t>
-            </a:r>
-            <a:r>
-              <a:rPr lang="de-DE" spc="-150" dirty="0"/>
-              <a:t>)   </a:t>
-            </a:r>
-            <a:r>
-              <a:rPr lang="de-DE" dirty="0"/>
-              <a:t>und in den entsprechenden Variablen abgespeichert.</a:t>
-            </a:r>
-            <a:endParaRPr lang="de-DE" spc="-150" dirty="0"/>
-          </a:p>
-        </p:txBody>
-      </p:sp>
-      <p:cxnSp>
-        <p:nvCxnSpPr>
-          <p:cNvPr id="36" name="Straight Arrow Connector 35"/>
-          <p:cNvCxnSpPr>
-            <a:cxnSpLocks/>
-          </p:cNvCxnSpPr>
-          <p:nvPr/>
-        </p:nvCxnSpPr>
-        <p:spPr>
-          <a:xfrm flipV="1">
-            <a:off x="4127863" y="4644389"/>
-            <a:ext cx="705394" cy="532762"/>
-          </a:xfrm>
-          <a:prstGeom prst="straightConnector1">
-            <a:avLst/>
-          </a:prstGeom>
-          <a:ln>
-            <a:headEnd type="none" w="med" len="med"/>
-            <a:tailEnd type="arrow" w="med" len="med"/>
-          </a:ln>
-          <a:scene3d>
-            <a:camera prst="orthographicFront"/>
-            <a:lightRig rig="threePt" dir="t"/>
-          </a:scene3d>
-          <a:sp3d>
-            <a:bevelT w="152400" h="50800" prst="softRound"/>
-          </a:sp3d>
-        </p:spPr>
-        <p:style>
-          <a:lnRef idx="3">
-            <a:schemeClr val="accent2"/>
-          </a:lnRef>
-          <a:fillRef idx="0">
-            <a:schemeClr val="accent2"/>
-          </a:fillRef>
-          <a:effectRef idx="2">
-            <a:schemeClr val="accent2"/>
-          </a:effectRef>
-          <a:fontRef idx="minor">
-            <a:schemeClr val="tx1"/>
-          </a:fontRef>
-        </p:style>
-      </p:cxnSp>
+              <a:t>JavaScript</a:t>
+            </a:r>
+          </a:p>
+        </p:txBody>
+      </p:sp>
     </p:spTree>
     <p:extLst>
       <p:ext uri="{BB962C8B-B14F-4D97-AF65-F5344CB8AC3E}">
-        <p14:creationId xmlns:p14="http://schemas.microsoft.com/office/powerpoint/2010/main" val="4041023800"/>
+        <p14:creationId xmlns:p14="http://schemas.microsoft.com/office/powerpoint/2010/main" val="1164445215"/>
       </p:ext>
     </p:extLst>
   </p:cSld>
@@ -4125,7 +4106,7 @@
             <a:pPr algn="ctr"/>
             <a:r>
               <a:rPr lang="de-DE" dirty="0"/>
-              <a:t>Funktionen</a:t>
+              <a:t>Deklaration/Initialisierung von Variablen</a:t>
             </a:r>
           </a:p>
         </p:txBody>
@@ -4152,8 +4133,8 @@
         </p:blipFill>
         <p:spPr>
           <a:xfrm>
-            <a:off x="3344304" y="2547257"/>
-            <a:ext cx="5503391" cy="1939290"/>
+            <a:off x="3000778" y="2834231"/>
+            <a:ext cx="7731860" cy="1803082"/>
           </a:xfrm>
           <a:prstGeom prst="rect">
             <a:avLst/>
@@ -4162,7 +4143,7 @@
       </p:pic>
       <p:cxnSp>
         <p:nvCxnSpPr>
-          <p:cNvPr id="6" name="Straight Arrow Connector 5"/>
+          <p:cNvPr id="7" name="Straight Arrow Connector 6"/>
           <p:cNvCxnSpPr>
             <a:cxnSpLocks/>
           </p:cNvCxnSpPr>
@@ -4170,8 +4151,8 @@
         </p:nvCxnSpPr>
         <p:spPr>
           <a:xfrm>
-            <a:off x="2173000" y="2362564"/>
-            <a:ext cx="1067013" cy="369386"/>
+            <a:off x="2273951" y="2749452"/>
+            <a:ext cx="726826" cy="264657"/>
           </a:xfrm>
           <a:prstGeom prst="straightConnector1">
             <a:avLst/>
@@ -4205,16 +4186,16 @@
       </p:cxnSp>
       <p:cxnSp>
         <p:nvCxnSpPr>
-          <p:cNvPr id="7" name="Straight Arrow Connector 6"/>
+          <p:cNvPr id="11" name="Straight Arrow Connector 10"/>
           <p:cNvCxnSpPr>
             <a:cxnSpLocks/>
           </p:cNvCxnSpPr>
           <p:nvPr/>
         </p:nvCxnSpPr>
         <p:spPr>
-          <a:xfrm flipV="1">
-            <a:off x="2272937" y="3823063"/>
-            <a:ext cx="979927" cy="357051"/>
+          <a:xfrm>
+            <a:off x="2259873" y="2764047"/>
+            <a:ext cx="740904" cy="500124"/>
           </a:xfrm>
           <a:prstGeom prst="straightConnector1">
             <a:avLst/>
@@ -4248,14 +4229,14 @@
       </p:cxnSp>
       <p:sp>
         <p:nvSpPr>
-          <p:cNvPr id="10" name="TextBox 9"/>
+          <p:cNvPr id="13" name="TextBox 12"/>
           <p:cNvSpPr txBox="1"/>
           <p:nvPr/>
         </p:nvSpPr>
         <p:spPr>
           <a:xfrm>
-            <a:off x="104504" y="1477013"/>
-            <a:ext cx="2804834" cy="1200329"/>
+            <a:off x="468760" y="1996753"/>
+            <a:ext cx="2532017" cy="923330"/>
           </a:xfrm>
           <a:prstGeom prst="rect">
             <a:avLst/>
@@ -4270,89 +4251,23 @@
           <a:p>
             <a:r>
               <a:rPr lang="de-DE" dirty="0"/>
-              <a:t>Die Funktion liefert eine randomisierte Zahl im vorgegebenen Intervall mit der Genauigkeit: 0.1.</a:t>
-            </a:r>
-          </a:p>
-        </p:txBody>
-      </p:sp>
-      <p:sp>
-        <p:nvSpPr>
-          <p:cNvPr id="11" name="TextBox 10"/>
-          <p:cNvSpPr txBox="1"/>
-          <p:nvPr/>
-        </p:nvSpPr>
-        <p:spPr>
-          <a:xfrm>
-            <a:off x="0" y="3823062"/>
-            <a:ext cx="2804834" cy="1477328"/>
-          </a:xfrm>
-          <a:prstGeom prst="rect">
-            <a:avLst/>
-          </a:prstGeom>
-          <a:noFill/>
-        </p:spPr>
-        <p:txBody>
-          <a:bodyPr wrap="square" rtlCol="0">
-            <a:spAutoFit/>
-          </a:bodyPr>
-          <a:lstStyle/>
-          <a:p>
-            <a:r>
-              <a:rPr lang="de-DE" dirty="0"/>
-              <a:t>Die Funktion testet den übergebenen Wert auf die Übereinstimmung mit dem Pattern und gibt einen booleschen Wert zurück.</a:t>
-            </a:r>
-          </a:p>
-        </p:txBody>
-      </p:sp>
-      <p:sp>
-        <p:nvSpPr>
-          <p:cNvPr id="12" name="TextBox 11"/>
-          <p:cNvSpPr txBox="1"/>
-          <p:nvPr/>
-        </p:nvSpPr>
-        <p:spPr>
-          <a:xfrm>
-            <a:off x="6042861" y="4604452"/>
-            <a:ext cx="2804834" cy="923330"/>
-          </a:xfrm>
-          <a:prstGeom prst="rect">
-            <a:avLst/>
-          </a:prstGeom>
-          <a:noFill/>
-        </p:spPr>
-        <p:txBody>
-          <a:bodyPr wrap="square" rtlCol="0">
-            <a:spAutoFit/>
-          </a:bodyPr>
-          <a:lstStyle/>
-          <a:p>
-            <a:r>
-              <a:rPr lang="de-DE" dirty="0"/>
-              <a:t>Die </a:t>
-            </a:r>
-            <a:r>
-              <a:rPr lang="de-DE" dirty="0" err="1"/>
-              <a:t>test</a:t>
-            </a:r>
-            <a:r>
-              <a:rPr lang="de-DE" dirty="0"/>
-              <a:t>() Methode testet auf eine Übereinstimmung in einer Zeichenketten.</a:t>
+              <a:t>Die Ober- und Untergrenze für die Spannung</a:t>
             </a:r>
           </a:p>
         </p:txBody>
       </p:sp>
       <p:cxnSp>
         <p:nvCxnSpPr>
-          <p:cNvPr id="14" name="Straight Arrow Connector 13"/>
+          <p:cNvPr id="16" name="Straight Arrow Connector 15"/>
           <p:cNvCxnSpPr>
             <a:cxnSpLocks/>
           </p:cNvCxnSpPr>
           <p:nvPr/>
         </p:nvCxnSpPr>
         <p:spPr>
-          <a:xfrm flipH="1" flipV="1">
-            <a:off x="6396659" y="4180114"/>
-            <a:ext cx="474404" cy="424338"/>
+          <a:xfrm flipV="1">
+            <a:off x="2259873" y="3843573"/>
+            <a:ext cx="711101" cy="187892"/>
           </a:xfrm>
           <a:prstGeom prst="straightConnector1">
             <a:avLst/>
@@ -4384,19 +4299,47 @@
           </a:fontRef>
         </p:style>
       </p:cxnSp>
+      <p:sp>
+        <p:nvSpPr>
+          <p:cNvPr id="19" name="TextBox 18"/>
+          <p:cNvSpPr txBox="1"/>
+          <p:nvPr/>
+        </p:nvSpPr>
+        <p:spPr>
+          <a:xfrm>
+            <a:off x="0" y="3843573"/>
+            <a:ext cx="2532017" cy="1200329"/>
+          </a:xfrm>
+          <a:prstGeom prst="rect">
+            <a:avLst/>
+          </a:prstGeom>
+          <a:noFill/>
+        </p:spPr>
+        <p:txBody>
+          <a:bodyPr wrap="square" rtlCol="0">
+            <a:spAutoFit/>
+          </a:bodyPr>
+          <a:lstStyle/>
+          <a:p>
+            <a:r>
+              <a:rPr lang="de-DE" dirty="0"/>
+              <a:t>Das heutige Datum im passenden Format in der Variable „heute“ gespeichert. </a:t>
+            </a:r>
+          </a:p>
+        </p:txBody>
+      </p:sp>
       <p:cxnSp>
         <p:nvCxnSpPr>
-          <p:cNvPr id="17" name="Straight Arrow Connector 16"/>
+          <p:cNvPr id="23" name="Straight Arrow Connector 22"/>
           <p:cNvCxnSpPr>
             <a:cxnSpLocks/>
-            <a:stCxn id="19" idx="1"/>
           </p:cNvCxnSpPr>
           <p:nvPr/>
         </p:nvCxnSpPr>
         <p:spPr>
           <a:xfrm flipH="1">
-            <a:off x="8136089" y="1722368"/>
-            <a:ext cx="711606" cy="1078652"/>
+            <a:off x="4558938" y="2528166"/>
+            <a:ext cx="783771" cy="972680"/>
           </a:xfrm>
           <a:prstGeom prst="straightConnector1">
             <a:avLst/>
@@ -4430,14 +4373,14 @@
       </p:cxnSp>
       <p:sp>
         <p:nvSpPr>
-          <p:cNvPr id="19" name="TextBox 18"/>
+          <p:cNvPr id="28" name="TextBox 27"/>
           <p:cNvSpPr txBox="1"/>
           <p:nvPr/>
         </p:nvSpPr>
         <p:spPr>
           <a:xfrm>
-            <a:off x="8847695" y="845205"/>
-            <a:ext cx="2804834" cy="1754326"/>
+            <a:off x="4334691" y="1629281"/>
+            <a:ext cx="2532017" cy="923330"/>
           </a:xfrm>
           <a:prstGeom prst="rect">
             <a:avLst/>
@@ -4452,39 +4395,167 @@
           <a:p>
             <a:r>
               <a:rPr lang="de-DE" dirty="0"/>
-              <a:t>Die </a:t>
+              <a:t>Das Objekt Date wird mit Hilfe des Schlüsselwortes „</a:t>
             </a:r>
             <a:r>
               <a:rPr lang="de-DE" dirty="0" err="1"/>
-              <a:t>toFixed</a:t>
-            </a:r>
-            <a:r>
-              <a:rPr lang="de-DE" dirty="0"/>
-              <a:t>() Methode konvertiert eine </a:t>
-            </a:r>
-            <a:r>
-              <a:rPr lang="de-DE" dirty="0" err="1"/>
-              <a:t>number</a:t>
-            </a:r>
-            <a:r>
-              <a:rPr lang="de-DE" dirty="0"/>
-              <a:t> in einen </a:t>
-            </a:r>
-            <a:r>
-              <a:rPr lang="de-DE" dirty="0" err="1"/>
-              <a:t>string</a:t>
-            </a:r>
-            <a:r>
-              <a:rPr lang="de-DE" dirty="0"/>
-              <a:t>, wobei der übergebene Parameter die Anzahl der zu bleiben Nachkommastellen angibt.</a:t>
-            </a:r>
-          </a:p>
-        </p:txBody>
-      </p:sp>
+              <a:t>new</a:t>
+            </a:r>
+            <a:r>
+              <a:rPr lang="de-DE" dirty="0"/>
+              <a:t>“ instanziiert.</a:t>
+            </a:r>
+          </a:p>
+        </p:txBody>
+      </p:sp>
+      <p:cxnSp>
+        <p:nvCxnSpPr>
+          <p:cNvPr id="29" name="Straight Arrow Connector 28"/>
+          <p:cNvCxnSpPr>
+            <a:cxnSpLocks/>
+          </p:cNvCxnSpPr>
+          <p:nvPr/>
+        </p:nvCxnSpPr>
+        <p:spPr>
+          <a:xfrm flipH="1" flipV="1">
+            <a:off x="3650243" y="4660715"/>
+            <a:ext cx="477620" cy="516436"/>
+          </a:xfrm>
+          <a:prstGeom prst="straightConnector1">
+            <a:avLst/>
+          </a:prstGeom>
+          <a:ln>
+            <a:headEnd type="none" w="med" len="med"/>
+            <a:tailEnd type="arrow" w="med" len="med"/>
+          </a:ln>
+          <a:scene3d>
+            <a:camera prst="orthographicFront"/>
+            <a:lightRig rig="threePt" dir="t"/>
+          </a:scene3d>
+          <a:sp3d>
+            <a:bevelT w="152400" h="50800" prst="softRound"/>
+          </a:sp3d>
+        </p:spPr>
+        <p:style>
+          <a:lnRef idx="3">
+            <a:schemeClr val="accent2"/>
+          </a:lnRef>
+          <a:fillRef idx="0">
+            <a:schemeClr val="accent2"/>
+          </a:fillRef>
+          <a:effectRef idx="2">
+            <a:schemeClr val="accent2"/>
+          </a:effectRef>
+          <a:fontRef idx="minor">
+            <a:schemeClr val="tx1"/>
+          </a:fontRef>
+        </p:style>
+      </p:cxnSp>
+      <p:sp>
+        <p:nvSpPr>
+          <p:cNvPr id="35" name="TextBox 34"/>
+          <p:cNvSpPr txBox="1"/>
+          <p:nvPr/>
+        </p:nvSpPr>
+        <p:spPr>
+          <a:xfrm>
+            <a:off x="1873975" y="5319191"/>
+            <a:ext cx="5213169" cy="923330"/>
+          </a:xfrm>
+          <a:prstGeom prst="rect">
+            <a:avLst/>
+          </a:prstGeom>
+          <a:noFill/>
+        </p:spPr>
+        <p:txBody>
+          <a:bodyPr wrap="square" rtlCol="0">
+            <a:spAutoFit/>
+          </a:bodyPr>
+          <a:lstStyle/>
+          <a:p>
+            <a:r>
+              <a:rPr lang="de-DE" dirty="0"/>
+              <a:t>Strom und Spannung werden mit Hilfe der Funktion </a:t>
+            </a:r>
+            <a:r>
+              <a:rPr lang="de-DE" spc="-150" dirty="0" err="1"/>
+              <a:t>randomNumberFromRange</a:t>
+            </a:r>
+            <a:r>
+              <a:rPr lang="de-DE" spc="-150" dirty="0"/>
+              <a:t> (</a:t>
+            </a:r>
+            <a:r>
+              <a:rPr lang="de-DE" spc="-150" dirty="0" err="1"/>
+              <a:t>minNumber</a:t>
+            </a:r>
+            <a:r>
+              <a:rPr lang="de-DE" spc="-150" dirty="0"/>
+              <a:t>, </a:t>
+            </a:r>
+            <a:r>
+              <a:rPr lang="de-DE" spc="-150" dirty="0" err="1"/>
+              <a:t>maxNumber</a:t>
+            </a:r>
+            <a:r>
+              <a:rPr lang="de-DE" spc="-150" dirty="0"/>
+              <a:t>)   </a:t>
+            </a:r>
+            <a:r>
+              <a:rPr lang="de-DE" dirty="0"/>
+              <a:t>und in den entsprechenden Variablen abgespeichert.</a:t>
+            </a:r>
+            <a:endParaRPr lang="de-DE" spc="-150" dirty="0"/>
+          </a:p>
+        </p:txBody>
+      </p:sp>
+      <p:cxnSp>
+        <p:nvCxnSpPr>
+          <p:cNvPr id="36" name="Straight Arrow Connector 35"/>
+          <p:cNvCxnSpPr>
+            <a:cxnSpLocks/>
+          </p:cNvCxnSpPr>
+          <p:nvPr/>
+        </p:nvCxnSpPr>
+        <p:spPr>
+          <a:xfrm flipV="1">
+            <a:off x="4127863" y="4644389"/>
+            <a:ext cx="705394" cy="532762"/>
+          </a:xfrm>
+          <a:prstGeom prst="straightConnector1">
+            <a:avLst/>
+          </a:prstGeom>
+          <a:ln>
+            <a:headEnd type="none" w="med" len="med"/>
+            <a:tailEnd type="arrow" w="med" len="med"/>
+          </a:ln>
+          <a:scene3d>
+            <a:camera prst="orthographicFront"/>
+            <a:lightRig rig="threePt" dir="t"/>
+          </a:scene3d>
+          <a:sp3d>
+            <a:bevelT w="152400" h="50800" prst="softRound"/>
+          </a:sp3d>
+        </p:spPr>
+        <p:style>
+          <a:lnRef idx="3">
+            <a:schemeClr val="accent2"/>
+          </a:lnRef>
+          <a:fillRef idx="0">
+            <a:schemeClr val="accent2"/>
+          </a:fillRef>
+          <a:effectRef idx="2">
+            <a:schemeClr val="accent2"/>
+          </a:effectRef>
+          <a:fontRef idx="minor">
+            <a:schemeClr val="tx1"/>
+          </a:fontRef>
+        </p:style>
+      </p:cxnSp>
     </p:spTree>
     <p:extLst>
       <p:ext uri="{BB962C8B-B14F-4D97-AF65-F5344CB8AC3E}">
-        <p14:creationId xmlns:p14="http://schemas.microsoft.com/office/powerpoint/2010/main" val="4079627950"/>
+        <p14:creationId xmlns:p14="http://schemas.microsoft.com/office/powerpoint/2010/main" val="4041023800"/>
       </p:ext>
     </p:extLst>
   </p:cSld>
@@ -4511,6 +4582,410 @@
           <a:chExt cx="0" cy="0"/>
         </a:xfrm>
       </p:grpSpPr>
+      <p:sp>
+        <p:nvSpPr>
+          <p:cNvPr id="2" name="Title 1"/>
+          <p:cNvSpPr>
+            <a:spLocks noGrp="1"/>
+          </p:cNvSpPr>
+          <p:nvPr>
+            <p:ph type="title"/>
+          </p:nvPr>
+        </p:nvSpPr>
+        <p:spPr/>
+        <p:txBody>
+          <a:bodyPr/>
+          <a:lstStyle/>
+          <a:p>
+            <a:pPr algn="ctr"/>
+            <a:r>
+              <a:rPr lang="de-DE" dirty="0"/>
+              <a:t>Funktionen</a:t>
+            </a:r>
+          </a:p>
+        </p:txBody>
+      </p:sp>
+      <p:pic>
+        <p:nvPicPr>
+          <p:cNvPr id="5" name="Picture 4"/>
+          <p:cNvPicPr>
+            <a:picLocks noChangeAspect="1"/>
+          </p:cNvPicPr>
+          <p:nvPr/>
+        </p:nvPicPr>
+        <p:blipFill>
+          <a:blip r:embed="rId2">
+            <a:extLst>
+              <a:ext uri="{28A0092B-C50C-407E-A947-70E740481C1C}">
+                <a14:useLocalDpi xmlns:a14="http://schemas.microsoft.com/office/drawing/2010/main" val="0"/>
+              </a:ext>
+            </a:extLst>
+          </a:blip>
+          <a:stretch>
+            <a:fillRect/>
+          </a:stretch>
+        </p:blipFill>
+        <p:spPr>
+          <a:xfrm>
+            <a:off x="3344304" y="2547257"/>
+            <a:ext cx="5503391" cy="1939290"/>
+          </a:xfrm>
+          <a:prstGeom prst="rect">
+            <a:avLst/>
+          </a:prstGeom>
+        </p:spPr>
+      </p:pic>
+      <p:cxnSp>
+        <p:nvCxnSpPr>
+          <p:cNvPr id="6" name="Straight Arrow Connector 5"/>
+          <p:cNvCxnSpPr>
+            <a:cxnSpLocks/>
+          </p:cNvCxnSpPr>
+          <p:nvPr/>
+        </p:nvCxnSpPr>
+        <p:spPr>
+          <a:xfrm>
+            <a:off x="2173000" y="2362564"/>
+            <a:ext cx="1067013" cy="369386"/>
+          </a:xfrm>
+          <a:prstGeom prst="straightConnector1">
+            <a:avLst/>
+          </a:prstGeom>
+          <a:ln>
+            <a:headEnd type="none" w="med" len="med"/>
+            <a:tailEnd type="arrow" w="med" len="med"/>
+          </a:ln>
+          <a:scene3d>
+            <a:camera prst="orthographicFront"/>
+            <a:lightRig rig="threePt" dir="t"/>
+          </a:scene3d>
+          <a:sp3d>
+            <a:bevelT w="152400" h="50800" prst="softRound"/>
+          </a:sp3d>
+        </p:spPr>
+        <p:style>
+          <a:lnRef idx="3">
+            <a:schemeClr val="accent2"/>
+          </a:lnRef>
+          <a:fillRef idx="0">
+            <a:schemeClr val="accent2"/>
+          </a:fillRef>
+          <a:effectRef idx="2">
+            <a:schemeClr val="accent2"/>
+          </a:effectRef>
+          <a:fontRef idx="minor">
+            <a:schemeClr val="tx1"/>
+          </a:fontRef>
+        </p:style>
+      </p:cxnSp>
+      <p:cxnSp>
+        <p:nvCxnSpPr>
+          <p:cNvPr id="7" name="Straight Arrow Connector 6"/>
+          <p:cNvCxnSpPr>
+            <a:cxnSpLocks/>
+          </p:cNvCxnSpPr>
+          <p:nvPr/>
+        </p:nvCxnSpPr>
+        <p:spPr>
+          <a:xfrm flipV="1">
+            <a:off x="2272937" y="3823063"/>
+            <a:ext cx="979927" cy="357051"/>
+          </a:xfrm>
+          <a:prstGeom prst="straightConnector1">
+            <a:avLst/>
+          </a:prstGeom>
+          <a:ln>
+            <a:headEnd type="none" w="med" len="med"/>
+            <a:tailEnd type="arrow" w="med" len="med"/>
+          </a:ln>
+          <a:scene3d>
+            <a:camera prst="orthographicFront"/>
+            <a:lightRig rig="threePt" dir="t"/>
+          </a:scene3d>
+          <a:sp3d>
+            <a:bevelT w="152400" h="50800" prst="softRound"/>
+          </a:sp3d>
+        </p:spPr>
+        <p:style>
+          <a:lnRef idx="3">
+            <a:schemeClr val="accent2"/>
+          </a:lnRef>
+          <a:fillRef idx="0">
+            <a:schemeClr val="accent2"/>
+          </a:fillRef>
+          <a:effectRef idx="2">
+            <a:schemeClr val="accent2"/>
+          </a:effectRef>
+          <a:fontRef idx="minor">
+            <a:schemeClr val="tx1"/>
+          </a:fontRef>
+        </p:style>
+      </p:cxnSp>
+      <p:sp>
+        <p:nvSpPr>
+          <p:cNvPr id="10" name="TextBox 9"/>
+          <p:cNvSpPr txBox="1"/>
+          <p:nvPr/>
+        </p:nvSpPr>
+        <p:spPr>
+          <a:xfrm>
+            <a:off x="104504" y="1477013"/>
+            <a:ext cx="2804834" cy="1200329"/>
+          </a:xfrm>
+          <a:prstGeom prst="rect">
+            <a:avLst/>
+          </a:prstGeom>
+          <a:noFill/>
+        </p:spPr>
+        <p:txBody>
+          <a:bodyPr wrap="square" rtlCol="0">
+            <a:spAutoFit/>
+          </a:bodyPr>
+          <a:lstStyle/>
+          <a:p>
+            <a:r>
+              <a:rPr lang="de-DE" dirty="0"/>
+              <a:t>Die Funktion liefert eine randomisierte Zahl im vorgegebenen Intervall mit der Genauigkeit: 0.1.</a:t>
+            </a:r>
+          </a:p>
+        </p:txBody>
+      </p:sp>
+      <p:sp>
+        <p:nvSpPr>
+          <p:cNvPr id="11" name="TextBox 10"/>
+          <p:cNvSpPr txBox="1"/>
+          <p:nvPr/>
+        </p:nvSpPr>
+        <p:spPr>
+          <a:xfrm>
+            <a:off x="0" y="3823062"/>
+            <a:ext cx="2804834" cy="1477328"/>
+          </a:xfrm>
+          <a:prstGeom prst="rect">
+            <a:avLst/>
+          </a:prstGeom>
+          <a:noFill/>
+        </p:spPr>
+        <p:txBody>
+          <a:bodyPr wrap="square" rtlCol="0">
+            <a:spAutoFit/>
+          </a:bodyPr>
+          <a:lstStyle/>
+          <a:p>
+            <a:r>
+              <a:rPr lang="de-DE" dirty="0"/>
+              <a:t>Die Funktion testet den übergebenen Wert auf die Übereinstimmung mit dem Pattern und gibt einen booleschen Wert zurück.</a:t>
+            </a:r>
+          </a:p>
+        </p:txBody>
+      </p:sp>
+      <p:sp>
+        <p:nvSpPr>
+          <p:cNvPr id="12" name="TextBox 11"/>
+          <p:cNvSpPr txBox="1"/>
+          <p:nvPr/>
+        </p:nvSpPr>
+        <p:spPr>
+          <a:xfrm>
+            <a:off x="6042861" y="4604452"/>
+            <a:ext cx="2804834" cy="923330"/>
+          </a:xfrm>
+          <a:prstGeom prst="rect">
+            <a:avLst/>
+          </a:prstGeom>
+          <a:noFill/>
+        </p:spPr>
+        <p:txBody>
+          <a:bodyPr wrap="square" rtlCol="0">
+            <a:spAutoFit/>
+          </a:bodyPr>
+          <a:lstStyle/>
+          <a:p>
+            <a:r>
+              <a:rPr lang="de-DE" dirty="0"/>
+              <a:t>Die </a:t>
+            </a:r>
+            <a:r>
+              <a:rPr lang="de-DE" dirty="0" err="1"/>
+              <a:t>test</a:t>
+            </a:r>
+            <a:r>
+              <a:rPr lang="de-DE" dirty="0"/>
+              <a:t>() Methode testet auf eine Übereinstimmung in einer Zeichenketten.</a:t>
+            </a:r>
+          </a:p>
+        </p:txBody>
+      </p:sp>
+      <p:cxnSp>
+        <p:nvCxnSpPr>
+          <p:cNvPr id="14" name="Straight Arrow Connector 13"/>
+          <p:cNvCxnSpPr>
+            <a:cxnSpLocks/>
+          </p:cNvCxnSpPr>
+          <p:nvPr/>
+        </p:nvCxnSpPr>
+        <p:spPr>
+          <a:xfrm flipH="1" flipV="1">
+            <a:off x="6396659" y="4180114"/>
+            <a:ext cx="474404" cy="424338"/>
+          </a:xfrm>
+          <a:prstGeom prst="straightConnector1">
+            <a:avLst/>
+          </a:prstGeom>
+          <a:ln>
+            <a:headEnd type="none" w="med" len="med"/>
+            <a:tailEnd type="arrow" w="med" len="med"/>
+          </a:ln>
+          <a:scene3d>
+            <a:camera prst="orthographicFront"/>
+            <a:lightRig rig="threePt" dir="t"/>
+          </a:scene3d>
+          <a:sp3d>
+            <a:bevelT w="152400" h="50800" prst="softRound"/>
+          </a:sp3d>
+        </p:spPr>
+        <p:style>
+          <a:lnRef idx="3">
+            <a:schemeClr val="accent2"/>
+          </a:lnRef>
+          <a:fillRef idx="0">
+            <a:schemeClr val="accent2"/>
+          </a:fillRef>
+          <a:effectRef idx="2">
+            <a:schemeClr val="accent2"/>
+          </a:effectRef>
+          <a:fontRef idx="minor">
+            <a:schemeClr val="tx1"/>
+          </a:fontRef>
+        </p:style>
+      </p:cxnSp>
+      <p:cxnSp>
+        <p:nvCxnSpPr>
+          <p:cNvPr id="17" name="Straight Arrow Connector 16"/>
+          <p:cNvCxnSpPr>
+            <a:cxnSpLocks/>
+            <a:stCxn id="19" idx="1"/>
+          </p:cNvCxnSpPr>
+          <p:nvPr/>
+        </p:nvCxnSpPr>
+        <p:spPr>
+          <a:xfrm flipH="1">
+            <a:off x="8136089" y="1722368"/>
+            <a:ext cx="711606" cy="1078652"/>
+          </a:xfrm>
+          <a:prstGeom prst="straightConnector1">
+            <a:avLst/>
+          </a:prstGeom>
+          <a:ln>
+            <a:headEnd type="none" w="med" len="med"/>
+            <a:tailEnd type="arrow" w="med" len="med"/>
+          </a:ln>
+          <a:scene3d>
+            <a:camera prst="orthographicFront"/>
+            <a:lightRig rig="threePt" dir="t"/>
+          </a:scene3d>
+          <a:sp3d>
+            <a:bevelT w="152400" h="50800" prst="softRound"/>
+          </a:sp3d>
+        </p:spPr>
+        <p:style>
+          <a:lnRef idx="3">
+            <a:schemeClr val="accent2"/>
+          </a:lnRef>
+          <a:fillRef idx="0">
+            <a:schemeClr val="accent2"/>
+          </a:fillRef>
+          <a:effectRef idx="2">
+            <a:schemeClr val="accent2"/>
+          </a:effectRef>
+          <a:fontRef idx="minor">
+            <a:schemeClr val="tx1"/>
+          </a:fontRef>
+        </p:style>
+      </p:cxnSp>
+      <p:sp>
+        <p:nvSpPr>
+          <p:cNvPr id="19" name="TextBox 18"/>
+          <p:cNvSpPr txBox="1"/>
+          <p:nvPr/>
+        </p:nvSpPr>
+        <p:spPr>
+          <a:xfrm>
+            <a:off x="8847695" y="845205"/>
+            <a:ext cx="2804834" cy="1754326"/>
+          </a:xfrm>
+          <a:prstGeom prst="rect">
+            <a:avLst/>
+          </a:prstGeom>
+          <a:noFill/>
+        </p:spPr>
+        <p:txBody>
+          <a:bodyPr wrap="square" rtlCol="0">
+            <a:spAutoFit/>
+          </a:bodyPr>
+          <a:lstStyle/>
+          <a:p>
+            <a:r>
+              <a:rPr lang="de-DE" dirty="0"/>
+              <a:t>Die </a:t>
+            </a:r>
+            <a:r>
+              <a:rPr lang="de-DE" dirty="0" err="1"/>
+              <a:t>toFixed</a:t>
+            </a:r>
+            <a:r>
+              <a:rPr lang="de-DE" dirty="0"/>
+              <a:t>() Methode konvertiert eine </a:t>
+            </a:r>
+            <a:r>
+              <a:rPr lang="de-DE" dirty="0" err="1"/>
+              <a:t>number</a:t>
+            </a:r>
+            <a:r>
+              <a:rPr lang="de-DE" dirty="0"/>
+              <a:t> in einen </a:t>
+            </a:r>
+            <a:r>
+              <a:rPr lang="de-DE" dirty="0" err="1"/>
+              <a:t>string</a:t>
+            </a:r>
+            <a:r>
+              <a:rPr lang="de-DE" dirty="0"/>
+              <a:t>, wobei der übergebene Parameter die Anzahl der zu bleiben Nachkommastellen angibt.</a:t>
+            </a:r>
+          </a:p>
+        </p:txBody>
+      </p:sp>
+    </p:spTree>
+    <p:extLst>
+      <p:ext uri="{BB962C8B-B14F-4D97-AF65-F5344CB8AC3E}">
+        <p14:creationId xmlns:p14="http://schemas.microsoft.com/office/powerpoint/2010/main" val="4079627950"/>
+      </p:ext>
+    </p:extLst>
+  </p:cSld>
+  <p:clrMapOvr>
+    <a:masterClrMapping/>
+  </p:clrMapOvr>
+</p:sld>
+</file>
+
+<file path=ppt/slides/slide15.xml><?xml version="1.0" encoding="utf-8"?>
+<p:sld xmlns:a="http://schemas.openxmlformats.org/drawingml/2006/main" xmlns:r="http://schemas.openxmlformats.org/officeDocument/2006/relationships" xmlns:p="http://schemas.openxmlformats.org/presentationml/2006/main">
+  <p:cSld>
+    <p:spTree>
+      <p:nvGrpSpPr>
+        <p:cNvPr id="1" name=""/>
+        <p:cNvGrpSpPr/>
+        <p:nvPr/>
+      </p:nvGrpSpPr>
+      <p:grpSpPr>
+        <a:xfrm>
+          <a:off x="0" y="0"/>
+          <a:ext cx="0" cy="0"/>
+          <a:chOff x="0" y="0"/>
+          <a:chExt cx="0" cy="0"/>
+        </a:xfrm>
+      </p:grpSpPr>
       <p:pic>
         <p:nvPicPr>
           <p:cNvPr id="18" name="Picture 17"/>
@@ -4968,7 +5443,7 @@
 </p:sld>
 </file>
 
-<file path=ppt/slides/slide15.xml><?xml version="1.0" encoding="utf-8"?>
+<file path=ppt/slides/slide16.xml><?xml version="1.0" encoding="utf-8"?>
 <p:sld xmlns:a="http://schemas.openxmlformats.org/drawingml/2006/main" xmlns:r="http://schemas.openxmlformats.org/officeDocument/2006/relationships" xmlns:p="http://schemas.openxmlformats.org/presentationml/2006/main">
   <p:cSld>
     <p:spTree>
@@ -5509,7 +5984,7 @@
       </p:grpSpPr>
       <p:sp>
         <p:nvSpPr>
-          <p:cNvPr id="2" name="Title 1"/>
+          <p:cNvPr id="2" name="Titel 1"/>
           <p:cNvSpPr>
             <a:spLocks noGrp="1"/>
           </p:cNvSpPr>
@@ -5517,7 +5992,12 @@
             <p:ph type="title"/>
           </p:nvPr>
         </p:nvSpPr>
-        <p:spPr/>
+        <p:spPr>
+          <a:xfrm>
+            <a:off x="838200" y="365126"/>
+            <a:ext cx="10498494" cy="782540"/>
+          </a:xfrm>
+        </p:spPr>
         <p:txBody>
           <a:bodyPr/>
           <a:lstStyle/>
@@ -5525,80 +6005,44 @@
             <a:pPr algn="ctr"/>
             <a:r>
               <a:rPr lang="de-DE" dirty="0"/>
-              <a:t>HTML</a:t>
-            </a:r>
-          </a:p>
-        </p:txBody>
-      </p:sp>
-      <p:sp>
-        <p:nvSpPr>
-          <p:cNvPr id="3" name="Content Placeholder 2"/>
-          <p:cNvSpPr>
-            <a:spLocks noGrp="1"/>
-          </p:cNvSpPr>
+              <a:t>Zählerstände der Gruppe</a:t>
+            </a:r>
+          </a:p>
+        </p:txBody>
+      </p:sp>
+      <p:pic>
+        <p:nvPicPr>
+          <p:cNvPr id="5" name="Inhaltsplatzhalter 4"/>
+          <p:cNvPicPr>
+            <a:picLocks noGrp="1" noChangeAspect="1"/>
+          </p:cNvPicPr>
           <p:nvPr>
             <p:ph idx="1"/>
           </p:nvPr>
-        </p:nvSpPr>
-        <p:spPr/>
-        <p:txBody>
-          <a:bodyPr/>
-          <a:lstStyle/>
-          <a:p>
-            <a:r>
-              <a:rPr lang="de-DE" u="sng" dirty="0"/>
-              <a:t>Insgesamt 5 Seiten </a:t>
-            </a:r>
-          </a:p>
-          <a:p>
-            <a:pPr marL="457200" lvl="1" indent="0">
-              <a:buNone/>
-            </a:pPr>
-            <a:r>
-              <a:rPr lang="de-DE" dirty="0"/>
-              <a:t>- Startseite index.html</a:t>
-            </a:r>
-          </a:p>
-          <a:p>
-            <a:pPr marL="457200" lvl="1" indent="0">
-              <a:buNone/>
-            </a:pPr>
-            <a:r>
-              <a:rPr lang="de-DE" dirty="0"/>
-              <a:t>- Verwaltung (Übersicht) verwalten.html</a:t>
-            </a:r>
-          </a:p>
-          <a:p>
-            <a:pPr lvl="1">
-              <a:buFontTx/>
-              <a:buChar char="-"/>
-            </a:pPr>
-            <a:r>
-              <a:rPr lang="de-DE" dirty="0"/>
-              <a:t>3 Detailansichten detail1.html, detail2.html, detail.html</a:t>
-            </a:r>
-          </a:p>
-          <a:p>
-            <a:r>
-              <a:rPr lang="de-DE" u="sng" dirty="0"/>
-              <a:t>Navigation</a:t>
-            </a:r>
-          </a:p>
-          <a:p>
-            <a:pPr marL="457200" lvl="1" indent="0">
-              <a:buNone/>
-            </a:pPr>
-            <a:r>
-              <a:rPr lang="de-DE" dirty="0"/>
-              <a:t>- Zwischen den Seiten mit Hilfe von Links frei hin und her gewechselt werden.</a:t>
-            </a:r>
-          </a:p>
-        </p:txBody>
-      </p:sp>
+        </p:nvPicPr>
+        <p:blipFill>
+          <a:blip r:embed="rId2">
+            <a:extLst>
+              <a:ext uri="{28A0092B-C50C-407E-A947-70E740481C1C}">
+                <a14:useLocalDpi xmlns:a14="http://schemas.microsoft.com/office/drawing/2010/main" val="0"/>
+              </a:ext>
+            </a:extLst>
+          </a:blip>
+          <a:stretch>
+            <a:fillRect/>
+          </a:stretch>
+        </p:blipFill>
+        <p:spPr>
+          <a:xfrm>
+            <a:off x="3053918" y="1216241"/>
+            <a:ext cx="6161103" cy="5619366"/>
+          </a:xfrm>
+        </p:spPr>
+      </p:pic>
     </p:spTree>
     <p:extLst>
       <p:ext uri="{BB962C8B-B14F-4D97-AF65-F5344CB8AC3E}">
-        <p14:creationId xmlns:p14="http://schemas.microsoft.com/office/powerpoint/2010/main" val="4099498290"/>
+        <p14:creationId xmlns:p14="http://schemas.microsoft.com/office/powerpoint/2010/main" val="2573831112"/>
       </p:ext>
     </p:extLst>
   </p:cSld>
@@ -5643,304 +6087,72 @@
             <a:pPr algn="ctr"/>
             <a:r>
               <a:rPr lang="de-DE" dirty="0"/>
-              <a:t>Header (</a:t>
-            </a:r>
-            <a:r>
-              <a:rPr lang="de-DE" dirty="0" err="1"/>
-              <a:t>menu</a:t>
-            </a:r>
-            <a:r>
-              <a:rPr lang="de-DE" dirty="0"/>
-              <a:t>)</a:t>
-            </a:r>
-          </a:p>
-        </p:txBody>
-      </p:sp>
-      <p:pic>
-        <p:nvPicPr>
-          <p:cNvPr id="5" name="Picture 4"/>
-          <p:cNvPicPr>
-            <a:picLocks noChangeAspect="1"/>
-          </p:cNvPicPr>
-          <p:nvPr/>
-        </p:nvPicPr>
-        <p:blipFill>
-          <a:blip r:embed="rId2">
-            <a:extLst>
-              <a:ext uri="{28A0092B-C50C-407E-A947-70E740481C1C}">
-                <a14:useLocalDpi xmlns:a14="http://schemas.microsoft.com/office/drawing/2010/main" val="0"/>
-              </a:ext>
-            </a:extLst>
-          </a:blip>
-          <a:stretch>
-            <a:fillRect/>
-          </a:stretch>
-        </p:blipFill>
-        <p:spPr>
-          <a:xfrm>
-            <a:off x="7160759" y="1690688"/>
-            <a:ext cx="4924425" cy="3926342"/>
-          </a:xfrm>
-          <a:prstGeom prst="rect">
-            <a:avLst/>
-          </a:prstGeom>
-        </p:spPr>
-      </p:pic>
-      <p:cxnSp>
-        <p:nvCxnSpPr>
-          <p:cNvPr id="7" name="Straight Arrow Connector 6"/>
-          <p:cNvCxnSpPr>
-            <a:cxnSpLocks/>
-          </p:cNvCxnSpPr>
-          <p:nvPr/>
-        </p:nvCxnSpPr>
-        <p:spPr>
-          <a:xfrm flipV="1">
-            <a:off x="6805749" y="4165859"/>
-            <a:ext cx="1471883" cy="215536"/>
-          </a:xfrm>
-          <a:prstGeom prst="straightConnector1">
-            <a:avLst/>
-          </a:prstGeom>
-          <a:ln>
-            <a:headEnd type="none" w="med" len="med"/>
-            <a:tailEnd type="arrow" w="med" len="med"/>
-          </a:ln>
-          <a:scene3d>
-            <a:camera prst="orthographicFront"/>
-            <a:lightRig rig="threePt" dir="t"/>
-          </a:scene3d>
-          <a:sp3d>
-            <a:bevelT w="152400" h="50800" prst="softRound"/>
-          </a:sp3d>
-        </p:spPr>
-        <p:style>
-          <a:lnRef idx="3">
-            <a:schemeClr val="accent2"/>
-          </a:lnRef>
-          <a:fillRef idx="0">
-            <a:schemeClr val="accent2"/>
-          </a:fillRef>
-          <a:effectRef idx="2">
-            <a:schemeClr val="accent2"/>
-          </a:effectRef>
-          <a:fontRef idx="minor">
-            <a:schemeClr val="tx1"/>
-          </a:fontRef>
-        </p:style>
-      </p:cxnSp>
-      <p:cxnSp>
-        <p:nvCxnSpPr>
-          <p:cNvPr id="8" name="Straight Arrow Connector 7"/>
-          <p:cNvCxnSpPr>
-            <a:cxnSpLocks/>
-          </p:cNvCxnSpPr>
-          <p:nvPr/>
-        </p:nvCxnSpPr>
-        <p:spPr>
-          <a:xfrm>
-            <a:off x="6654436" y="3653859"/>
-            <a:ext cx="1381398" cy="184667"/>
-          </a:xfrm>
-          <a:prstGeom prst="straightConnector1">
-            <a:avLst/>
-          </a:prstGeom>
-          <a:ln>
-            <a:headEnd type="none" w="med" len="med"/>
-            <a:tailEnd type="arrow" w="med" len="med"/>
-          </a:ln>
-          <a:scene3d>
-            <a:camera prst="orthographicFront"/>
-            <a:lightRig rig="threePt" dir="t"/>
-          </a:scene3d>
-          <a:sp3d>
-            <a:bevelT w="152400" h="50800" prst="softRound"/>
-          </a:sp3d>
-        </p:spPr>
-        <p:style>
-          <a:lnRef idx="3">
-            <a:schemeClr val="accent2"/>
-          </a:lnRef>
-          <a:fillRef idx="0">
-            <a:schemeClr val="accent2"/>
-          </a:fillRef>
-          <a:effectRef idx="2">
-            <a:schemeClr val="accent2"/>
-          </a:effectRef>
-          <a:fontRef idx="minor">
-            <a:schemeClr val="tx1"/>
-          </a:fontRef>
-        </p:style>
-      </p:cxnSp>
-      <p:cxnSp>
-        <p:nvCxnSpPr>
-          <p:cNvPr id="10" name="Straight Arrow Connector 9"/>
-          <p:cNvCxnSpPr>
-            <a:cxnSpLocks/>
-          </p:cNvCxnSpPr>
-          <p:nvPr/>
-        </p:nvCxnSpPr>
-        <p:spPr>
-          <a:xfrm flipV="1">
-            <a:off x="6096000" y="1975652"/>
-            <a:ext cx="1116873" cy="166656"/>
-          </a:xfrm>
-          <a:prstGeom prst="straightConnector1">
-            <a:avLst/>
-          </a:prstGeom>
-          <a:ln>
-            <a:headEnd type="none" w="med" len="med"/>
-            <a:tailEnd type="arrow" w="med" len="med"/>
-          </a:ln>
-          <a:scene3d>
-            <a:camera prst="orthographicFront"/>
-            <a:lightRig rig="threePt" dir="t"/>
-          </a:scene3d>
-          <a:sp3d>
-            <a:bevelT w="152400" h="50800" prst="softRound"/>
-          </a:sp3d>
-        </p:spPr>
-        <p:style>
-          <a:lnRef idx="3">
-            <a:schemeClr val="accent2"/>
-          </a:lnRef>
-          <a:fillRef idx="0">
-            <a:schemeClr val="accent2"/>
-          </a:fillRef>
-          <a:effectRef idx="2">
-            <a:schemeClr val="accent2"/>
-          </a:effectRef>
-          <a:fontRef idx="minor">
-            <a:schemeClr val="tx1"/>
-          </a:fontRef>
-        </p:style>
-      </p:cxnSp>
-      <p:cxnSp>
-        <p:nvCxnSpPr>
-          <p:cNvPr id="11" name="Straight Arrow Connector 10"/>
-          <p:cNvCxnSpPr>
-            <a:cxnSpLocks/>
-          </p:cNvCxnSpPr>
-          <p:nvPr/>
-        </p:nvCxnSpPr>
-        <p:spPr>
-          <a:xfrm>
-            <a:off x="6805749" y="4381395"/>
-            <a:ext cx="1471883" cy="151804"/>
-          </a:xfrm>
-          <a:prstGeom prst="straightConnector1">
-            <a:avLst/>
-          </a:prstGeom>
-          <a:ln>
-            <a:headEnd type="none" w="med" len="med"/>
-            <a:tailEnd type="arrow" w="med" len="med"/>
-          </a:ln>
-          <a:scene3d>
-            <a:camera prst="orthographicFront"/>
-            <a:lightRig rig="threePt" dir="t"/>
-          </a:scene3d>
-          <a:sp3d>
-            <a:bevelT w="152400" h="50800" prst="softRound"/>
-          </a:sp3d>
-        </p:spPr>
-        <p:style>
-          <a:lnRef idx="3">
-            <a:schemeClr val="accent2"/>
-          </a:lnRef>
-          <a:fillRef idx="0">
-            <a:schemeClr val="accent2"/>
-          </a:fillRef>
-          <a:effectRef idx="2">
-            <a:schemeClr val="accent2"/>
-          </a:effectRef>
-          <a:fontRef idx="minor">
-            <a:schemeClr val="tx1"/>
-          </a:fontRef>
-        </p:style>
-      </p:cxnSp>
-      <p:sp>
-        <p:nvSpPr>
-          <p:cNvPr id="16" name="TextBox 15"/>
-          <p:cNvSpPr txBox="1"/>
-          <p:nvPr/>
-        </p:nvSpPr>
-        <p:spPr>
-          <a:xfrm>
-            <a:off x="4676502" y="4196729"/>
-            <a:ext cx="2306752" cy="369332"/>
-          </a:xfrm>
-          <a:prstGeom prst="rect">
-            <a:avLst/>
-          </a:prstGeom>
-          <a:noFill/>
-        </p:spPr>
-        <p:txBody>
-          <a:bodyPr wrap="square" rtlCol="0">
-            <a:spAutoFit/>
-          </a:bodyPr>
-          <a:lstStyle/>
-          <a:p>
-            <a:r>
-              <a:rPr lang="de-DE" dirty="0"/>
-              <a:t>Die Zwei Menu-Tabs</a:t>
-            </a:r>
-          </a:p>
-        </p:txBody>
-      </p:sp>
-      <p:sp>
-        <p:nvSpPr>
-          <p:cNvPr id="18" name="TextBox 17"/>
-          <p:cNvSpPr txBox="1"/>
-          <p:nvPr/>
-        </p:nvSpPr>
-        <p:spPr>
-          <a:xfrm>
-            <a:off x="4600846" y="3330693"/>
-            <a:ext cx="2306752" cy="646331"/>
-          </a:xfrm>
-          <a:prstGeom prst="rect">
-            <a:avLst/>
-          </a:prstGeom>
-          <a:noFill/>
-        </p:spPr>
-        <p:txBody>
-          <a:bodyPr wrap="square" rtlCol="0">
-            <a:spAutoFit/>
-          </a:bodyPr>
-          <a:lstStyle/>
-          <a:p>
-            <a:r>
-              <a:rPr lang="de-DE" dirty="0"/>
-              <a:t>Unsortierte Liste der Menu-Tabs</a:t>
-            </a:r>
-          </a:p>
-        </p:txBody>
-      </p:sp>
-      <p:sp>
-        <p:nvSpPr>
-          <p:cNvPr id="19" name="TextBox 18"/>
-          <p:cNvSpPr txBox="1"/>
-          <p:nvPr/>
-        </p:nvSpPr>
-        <p:spPr>
-          <a:xfrm>
-            <a:off x="3801291" y="1942618"/>
-            <a:ext cx="2524466" cy="646331"/>
-          </a:xfrm>
-          <a:prstGeom prst="rect">
-            <a:avLst/>
-          </a:prstGeom>
-          <a:noFill/>
-        </p:spPr>
-        <p:txBody>
-          <a:bodyPr wrap="square" rtlCol="0">
-            <a:spAutoFit/>
-          </a:bodyPr>
-          <a:lstStyle/>
-          <a:p>
-            <a:r>
-              <a:rPr lang="de-DE" dirty="0"/>
-              <a:t>Das &lt;div&gt; Element, das den Header markiert</a:t>
+              <a:t>HTML</a:t>
+            </a:r>
+          </a:p>
+        </p:txBody>
+      </p:sp>
+      <p:sp>
+        <p:nvSpPr>
+          <p:cNvPr id="3" name="Content Placeholder 2"/>
+          <p:cNvSpPr>
+            <a:spLocks noGrp="1"/>
+          </p:cNvSpPr>
+          <p:nvPr>
+            <p:ph idx="1"/>
+          </p:nvPr>
+        </p:nvSpPr>
+        <p:spPr/>
+        <p:txBody>
+          <a:bodyPr/>
+          <a:lstStyle/>
+          <a:p>
+            <a:r>
+              <a:rPr lang="de-DE" u="sng" dirty="0"/>
+              <a:t>Insgesamt 5 Seiten </a:t>
+            </a:r>
+          </a:p>
+          <a:p>
+            <a:pPr marL="457200" lvl="1" indent="0">
+              <a:buNone/>
+            </a:pPr>
+            <a:r>
+              <a:rPr lang="de-DE" dirty="0"/>
+              <a:t>- Startseite index.html</a:t>
+            </a:r>
+          </a:p>
+          <a:p>
+            <a:pPr marL="457200" lvl="1" indent="0">
+              <a:buNone/>
+            </a:pPr>
+            <a:r>
+              <a:rPr lang="de-DE" dirty="0"/>
+              <a:t>- Verwaltung (Übersicht) verwalten.html</a:t>
+            </a:r>
+          </a:p>
+          <a:p>
+            <a:pPr lvl="1">
+              <a:buFontTx/>
+              <a:buChar char="-"/>
+            </a:pPr>
+            <a:r>
+              <a:rPr lang="de-DE" dirty="0"/>
+              <a:t>3 Detailansichten detail1.html, detail2.html, detail.html</a:t>
+            </a:r>
+          </a:p>
+          <a:p>
+            <a:r>
+              <a:rPr lang="de-DE" u="sng" dirty="0"/>
+              <a:t>Navigation</a:t>
+            </a:r>
+          </a:p>
+          <a:p>
+            <a:pPr marL="457200" lvl="1" indent="0">
+              <a:buNone/>
+            </a:pPr>
+            <a:r>
+              <a:rPr lang="de-DE" dirty="0"/>
+              <a:t>- Zwischen den Seiten mit Hilfe von Links frei hin und her gewechselt werden.</a:t>
             </a:r>
           </a:p>
         </p:txBody>
@@ -5948,7 +6160,7 @@
     </p:spTree>
     <p:extLst>
       <p:ext uri="{BB962C8B-B14F-4D97-AF65-F5344CB8AC3E}">
-        <p14:creationId xmlns:p14="http://schemas.microsoft.com/office/powerpoint/2010/main" val="2037124583"/>
+        <p14:creationId xmlns:p14="http://schemas.microsoft.com/office/powerpoint/2010/main" val="4099498290"/>
       </p:ext>
     </p:extLst>
   </p:cSld>
@@ -5997,7 +6209,7 @@
             </a:r>
             <a:r>
               <a:rPr lang="de-DE" dirty="0" err="1"/>
-              <a:t>heading</a:t>
+              <a:t>menu</a:t>
             </a:r>
             <a:r>
               <a:rPr lang="de-DE" dirty="0"/>
@@ -6028,8 +6240,8 @@
         </p:blipFill>
         <p:spPr>
           <a:xfrm>
-            <a:off x="5891348" y="1690688"/>
-            <a:ext cx="6300651" cy="4139214"/>
+            <a:off x="7160759" y="1690688"/>
+            <a:ext cx="4924425" cy="3926342"/>
           </a:xfrm>
           <a:prstGeom prst="rect">
             <a:avLst/>
@@ -6046,8 +6258,51 @@
         </p:nvCxnSpPr>
         <p:spPr>
           <a:xfrm flipV="1">
-            <a:off x="5126081" y="4366582"/>
-            <a:ext cx="1844040" cy="197414"/>
+            <a:off x="6805749" y="4165859"/>
+            <a:ext cx="1471883" cy="215536"/>
+          </a:xfrm>
+          <a:prstGeom prst="straightConnector1">
+            <a:avLst/>
+          </a:prstGeom>
+          <a:ln>
+            <a:headEnd type="none" w="med" len="med"/>
+            <a:tailEnd type="arrow" w="med" len="med"/>
+          </a:ln>
+          <a:scene3d>
+            <a:camera prst="orthographicFront"/>
+            <a:lightRig rig="threePt" dir="t"/>
+          </a:scene3d>
+          <a:sp3d>
+            <a:bevelT w="152400" h="50800" prst="softRound"/>
+          </a:sp3d>
+        </p:spPr>
+        <p:style>
+          <a:lnRef idx="3">
+            <a:schemeClr val="accent2"/>
+          </a:lnRef>
+          <a:fillRef idx="0">
+            <a:schemeClr val="accent2"/>
+          </a:fillRef>
+          <a:effectRef idx="2">
+            <a:schemeClr val="accent2"/>
+          </a:effectRef>
+          <a:fontRef idx="minor">
+            <a:schemeClr val="tx1"/>
+          </a:fontRef>
+        </p:style>
+      </p:cxnSp>
+      <p:cxnSp>
+        <p:nvCxnSpPr>
+          <p:cNvPr id="8" name="Straight Arrow Connector 7"/>
+          <p:cNvCxnSpPr>
+            <a:cxnSpLocks/>
+          </p:cNvCxnSpPr>
+          <p:nvPr/>
+        </p:nvCxnSpPr>
+        <p:spPr>
+          <a:xfrm>
+            <a:off x="6654436" y="3653859"/>
+            <a:ext cx="1381398" cy="184667"/>
           </a:xfrm>
           <a:prstGeom prst="straightConnector1">
             <a:avLst/>
@@ -6089,8 +6344,8 @@
         </p:nvCxnSpPr>
         <p:spPr>
           <a:xfrm flipV="1">
-            <a:off x="5303520" y="2398730"/>
-            <a:ext cx="1489163" cy="253030"/>
+            <a:off x="6096000" y="1975652"/>
+            <a:ext cx="1116873" cy="166656"/>
           </a:xfrm>
           <a:prstGeom prst="straightConnector1">
             <a:avLst/>
@@ -6122,16 +6377,59 @@
           </a:fontRef>
         </p:style>
       </p:cxnSp>
-      <p:sp>
-        <p:nvSpPr>
-          <p:cNvPr id="22" name="TextBox 21"/>
+      <p:cxnSp>
+        <p:nvCxnSpPr>
+          <p:cNvPr id="11" name="Straight Arrow Connector 10"/>
+          <p:cNvCxnSpPr>
+            <a:cxnSpLocks/>
+          </p:cNvCxnSpPr>
+          <p:nvPr/>
+        </p:nvCxnSpPr>
+        <p:spPr>
+          <a:xfrm>
+            <a:off x="6805749" y="4381395"/>
+            <a:ext cx="1471883" cy="151804"/>
+          </a:xfrm>
+          <a:prstGeom prst="straightConnector1">
+            <a:avLst/>
+          </a:prstGeom>
+          <a:ln>
+            <a:headEnd type="none" w="med" len="med"/>
+            <a:tailEnd type="arrow" w="med" len="med"/>
+          </a:ln>
+          <a:scene3d>
+            <a:camera prst="orthographicFront"/>
+            <a:lightRig rig="threePt" dir="t"/>
+          </a:scene3d>
+          <a:sp3d>
+            <a:bevelT w="152400" h="50800" prst="softRound"/>
+          </a:sp3d>
+        </p:spPr>
+        <p:style>
+          <a:lnRef idx="3">
+            <a:schemeClr val="accent2"/>
+          </a:lnRef>
+          <a:fillRef idx="0">
+            <a:schemeClr val="accent2"/>
+          </a:fillRef>
+          <a:effectRef idx="2">
+            <a:schemeClr val="accent2"/>
+          </a:effectRef>
+          <a:fontRef idx="minor">
+            <a:schemeClr val="tx1"/>
+          </a:fontRef>
+        </p:style>
+      </p:cxnSp>
+      <p:sp>
+        <p:nvSpPr>
+          <p:cNvPr id="16" name="TextBox 15"/>
           <p:cNvSpPr txBox="1"/>
           <p:nvPr/>
         </p:nvSpPr>
         <p:spPr>
           <a:xfrm>
-            <a:off x="2736669" y="2328594"/>
-            <a:ext cx="2684417" cy="646331"/>
+            <a:off x="4676502" y="4196729"/>
+            <a:ext cx="2306752" cy="369332"/>
           </a:xfrm>
           <a:prstGeom prst="rect">
             <a:avLst/>
@@ -6146,20 +6444,20 @@
           <a:p>
             <a:r>
               <a:rPr lang="de-DE" dirty="0"/>
-              <a:t>Das „style“ Attribut zum Stylen direkt in der HTML</a:t>
-            </a:r>
-          </a:p>
-        </p:txBody>
-      </p:sp>
-      <p:sp>
-        <p:nvSpPr>
-          <p:cNvPr id="24" name="TextBox 23"/>
+              <a:t>Die Zwei Menu-Tabs</a:t>
+            </a:r>
+          </a:p>
+        </p:txBody>
+      </p:sp>
+      <p:sp>
+        <p:nvSpPr>
+          <p:cNvPr id="18" name="TextBox 17"/>
           <p:cNvSpPr txBox="1"/>
           <p:nvPr/>
         </p:nvSpPr>
         <p:spPr>
           <a:xfrm>
-            <a:off x="3584596" y="4343561"/>
+            <a:off x="4600846" y="3330693"/>
             <a:ext cx="2306752" cy="646331"/>
           </a:xfrm>
           <a:prstGeom prst="rect">
@@ -6175,7 +6473,36 @@
           <a:p>
             <a:r>
               <a:rPr lang="de-DE" dirty="0"/>
-              <a:t>Der Link zur Verwaltung &lt;a&gt;</a:t>
+              <a:t>Unsortierte Liste der Menu-Tabs</a:t>
+            </a:r>
+          </a:p>
+        </p:txBody>
+      </p:sp>
+      <p:sp>
+        <p:nvSpPr>
+          <p:cNvPr id="19" name="TextBox 18"/>
+          <p:cNvSpPr txBox="1"/>
+          <p:nvPr/>
+        </p:nvSpPr>
+        <p:spPr>
+          <a:xfrm>
+            <a:off x="3801291" y="1942618"/>
+            <a:ext cx="2524466" cy="646331"/>
+          </a:xfrm>
+          <a:prstGeom prst="rect">
+            <a:avLst/>
+          </a:prstGeom>
+          <a:noFill/>
+        </p:spPr>
+        <p:txBody>
+          <a:bodyPr wrap="square" rtlCol="0">
+            <a:spAutoFit/>
+          </a:bodyPr>
+          <a:lstStyle/>
+          <a:p>
+            <a:r>
+              <a:rPr lang="de-DE" dirty="0"/>
+              <a:t>Das &lt;div&gt; Element, das den Header markiert</a:t>
             </a:r>
           </a:p>
         </p:txBody>
@@ -6183,7 +6510,7 @@
     </p:spTree>
     <p:extLst>
       <p:ext uri="{BB962C8B-B14F-4D97-AF65-F5344CB8AC3E}">
-        <p14:creationId xmlns:p14="http://schemas.microsoft.com/office/powerpoint/2010/main" val="1704207524"/>
+        <p14:creationId xmlns:p14="http://schemas.microsoft.com/office/powerpoint/2010/main" val="2037124583"/>
       </p:ext>
     </p:extLst>
   </p:cSld>
@@ -6227,31 +6554,44 @@
           <a:p>
             <a:pPr algn="ctr"/>
             <a:r>
+              <a:rPr lang="de-DE" dirty="0"/>
+              <a:t>Header (</a:t>
+            </a:r>
+            <a:r>
               <a:rPr lang="de-DE" dirty="0" err="1"/>
-              <a:t>Footer</a:t>
-            </a:r>
-            <a:endParaRPr lang="de-DE" dirty="0"/>
+              <a:t>heading</a:t>
+            </a:r>
+            <a:r>
+              <a:rPr lang="de-DE" dirty="0"/>
+              <a:t>)</a:t>
+            </a:r>
           </a:p>
         </p:txBody>
       </p:sp>
       <p:pic>
         <p:nvPicPr>
-          <p:cNvPr id="4" name="Picture 3"/>
+          <p:cNvPr id="5" name="Picture 4"/>
           <p:cNvPicPr>
             <a:picLocks noChangeAspect="1"/>
           </p:cNvPicPr>
           <p:nvPr/>
         </p:nvPicPr>
         <p:blipFill>
-          <a:blip r:embed="rId2"/>
+          <a:blip r:embed="rId2">
+            <a:extLst>
+              <a:ext uri="{28A0092B-C50C-407E-A947-70E740481C1C}">
+                <a14:useLocalDpi xmlns:a14="http://schemas.microsoft.com/office/drawing/2010/main" val="0"/>
+              </a:ext>
+            </a:extLst>
+          </a:blip>
           <a:stretch>
             <a:fillRect/>
           </a:stretch>
         </p:blipFill>
         <p:spPr>
           <a:xfrm>
-            <a:off x="5930537" y="2239328"/>
-            <a:ext cx="6073140" cy="2882128"/>
+            <a:off x="5891348" y="1690688"/>
+            <a:ext cx="6300651" cy="4139214"/>
           </a:xfrm>
           <a:prstGeom prst="rect">
             <a:avLst/>
@@ -6260,7 +6600,7 @@
       </p:pic>
       <p:cxnSp>
         <p:nvCxnSpPr>
-          <p:cNvPr id="5" name="Straight Arrow Connector 4"/>
+          <p:cNvPr id="7" name="Straight Arrow Connector 6"/>
           <p:cNvCxnSpPr>
             <a:cxnSpLocks/>
           </p:cNvCxnSpPr>
@@ -6268,8 +6608,8 @@
         </p:nvCxnSpPr>
         <p:spPr>
           <a:xfrm flipV="1">
-            <a:off x="5368834" y="4101737"/>
-            <a:ext cx="1606732" cy="121680"/>
+            <a:off x="5126081" y="4366582"/>
+            <a:ext cx="1844040" cy="197414"/>
           </a:xfrm>
           <a:prstGeom prst="straightConnector1">
             <a:avLst/>
@@ -6303,16 +6643,16 @@
       </p:cxnSp>
       <p:cxnSp>
         <p:nvCxnSpPr>
-          <p:cNvPr id="7" name="Straight Arrow Connector 6"/>
+          <p:cNvPr id="10" name="Straight Arrow Connector 9"/>
           <p:cNvCxnSpPr>
             <a:cxnSpLocks/>
           </p:cNvCxnSpPr>
           <p:nvPr/>
         </p:nvCxnSpPr>
         <p:spPr>
-          <a:xfrm flipH="1">
-            <a:off x="9078682" y="1916870"/>
-            <a:ext cx="731523" cy="1157795"/>
+          <a:xfrm flipV="1">
+            <a:off x="5303520" y="2398730"/>
+            <a:ext cx="1489163" cy="253030"/>
           </a:xfrm>
           <a:prstGeom prst="straightConnector1">
             <a:avLst/>
@@ -6346,14 +6686,14 @@
       </p:cxnSp>
       <p:sp>
         <p:nvSpPr>
-          <p:cNvPr id="9" name="TextBox 8"/>
+          <p:cNvPr id="22" name="TextBox 21"/>
           <p:cNvSpPr txBox="1"/>
           <p:nvPr/>
         </p:nvSpPr>
         <p:spPr>
           <a:xfrm>
-            <a:off x="3344091" y="3761751"/>
-            <a:ext cx="2024743" cy="923330"/>
+            <a:off x="2736669" y="2328594"/>
+            <a:ext cx="2684417" cy="646331"/>
           </a:xfrm>
           <a:prstGeom prst="rect">
             <a:avLst/>
@@ -6368,35 +6708,21 @@
           <a:p>
             <a:r>
               <a:rPr lang="de-DE" dirty="0"/>
-              <a:t>Der Link, um die Seite neuzuladen </a:t>
-            </a:r>
-          </a:p>
-          <a:p>
-            <a:r>
-              <a:rPr lang="de-DE" dirty="0"/>
-              <a:t>(Attribut </a:t>
-            </a:r>
-            <a:r>
-              <a:rPr lang="de-DE" dirty="0" err="1"/>
-              <a:t>href</a:t>
-            </a:r>
-            <a:r>
-              <a:rPr lang="de-DE" dirty="0"/>
-              <a:t>=„h“)</a:t>
-            </a:r>
-          </a:p>
-        </p:txBody>
-      </p:sp>
-      <p:sp>
-        <p:nvSpPr>
-          <p:cNvPr id="10" name="TextBox 9"/>
+              <a:t>Das „style“ Attribut zum Stylen direkt in der HTML</a:t>
+            </a:r>
+          </a:p>
+        </p:txBody>
+      </p:sp>
+      <p:sp>
+        <p:nvSpPr>
+          <p:cNvPr id="24" name="TextBox 23"/>
           <p:cNvSpPr txBox="1"/>
           <p:nvPr/>
         </p:nvSpPr>
         <p:spPr>
           <a:xfrm>
-            <a:off x="8967107" y="1157448"/>
-            <a:ext cx="2090061" cy="646331"/>
+            <a:off x="3584596" y="4343561"/>
+            <a:ext cx="2306752" cy="646331"/>
           </a:xfrm>
           <a:prstGeom prst="rect">
             <a:avLst/>
@@ -6411,11 +6737,7 @@
           <a:p>
             <a:r>
               <a:rPr lang="de-DE" dirty="0"/>
-              <a:t>Fette Hervorhebung von „Group 46“ </a:t>
-            </a:r>
-            <a:r>
-              <a:rPr lang="de-DE" b="1" dirty="0"/>
-              <a:t>&lt;b&gt;</a:t>
+              <a:t>Der Link zur Verwaltung &lt;a&gt;</a:t>
             </a:r>
           </a:p>
         </p:txBody>
@@ -6423,7 +6745,7 @@
     </p:spTree>
     <p:extLst>
       <p:ext uri="{BB962C8B-B14F-4D97-AF65-F5344CB8AC3E}">
-        <p14:creationId xmlns:p14="http://schemas.microsoft.com/office/powerpoint/2010/main" val="3030226095"/>
+        <p14:creationId xmlns:p14="http://schemas.microsoft.com/office/powerpoint/2010/main" val="1704207524"/>
       </p:ext>
     </p:extLst>
   </p:cSld>
@@ -6467,36 +6789,31 @@
           <a:p>
             <a:pPr algn="ctr"/>
             <a:r>
-              <a:rPr lang="de-DE" dirty="0"/>
-              <a:t>Startseite (index.html) [1]</a:t>
-            </a:r>
+              <a:rPr lang="de-DE" dirty="0" err="1"/>
+              <a:t>Footer</a:t>
+            </a:r>
+            <a:endParaRPr lang="de-DE" dirty="0"/>
           </a:p>
         </p:txBody>
       </p:sp>
       <p:pic>
         <p:nvPicPr>
-          <p:cNvPr id="5" name="Picture 4"/>
+          <p:cNvPr id="4" name="Picture 3"/>
           <p:cNvPicPr>
             <a:picLocks noChangeAspect="1"/>
           </p:cNvPicPr>
           <p:nvPr/>
         </p:nvPicPr>
         <p:blipFill>
-          <a:blip r:embed="rId2">
-            <a:extLst>
-              <a:ext uri="{28A0092B-C50C-407E-A947-70E740481C1C}">
-                <a14:useLocalDpi xmlns:a14="http://schemas.microsoft.com/office/drawing/2010/main" val="0"/>
-              </a:ext>
-            </a:extLst>
-          </a:blip>
+          <a:blip r:embed="rId2"/>
           <a:stretch>
             <a:fillRect/>
           </a:stretch>
         </p:blipFill>
         <p:spPr>
           <a:xfrm>
-            <a:off x="4730387" y="1690688"/>
-            <a:ext cx="7277100" cy="4866866"/>
+            <a:off x="5930537" y="2239328"/>
+            <a:ext cx="6073140" cy="2882128"/>
           </a:xfrm>
           <a:prstGeom prst="rect">
             <a:avLst/>
@@ -6505,16 +6822,16 @@
       </p:pic>
       <p:cxnSp>
         <p:nvCxnSpPr>
-          <p:cNvPr id="6" name="Straight Arrow Connector 5"/>
+          <p:cNvPr id="5" name="Straight Arrow Connector 4"/>
           <p:cNvCxnSpPr>
             <a:cxnSpLocks/>
           </p:cNvCxnSpPr>
           <p:nvPr/>
         </p:nvCxnSpPr>
         <p:spPr>
-          <a:xfrm>
-            <a:off x="3657600" y="1946366"/>
-            <a:ext cx="1567542" cy="261256"/>
+          <a:xfrm flipV="1">
+            <a:off x="5368834" y="4101737"/>
+            <a:ext cx="1606732" cy="121680"/>
           </a:xfrm>
           <a:prstGeom prst="straightConnector1">
             <a:avLst/>
@@ -6548,16 +6865,16 @@
       </p:cxnSp>
       <p:cxnSp>
         <p:nvCxnSpPr>
-          <p:cNvPr id="11" name="Straight Arrow Connector 10"/>
+          <p:cNvPr id="7" name="Straight Arrow Connector 6"/>
           <p:cNvCxnSpPr>
             <a:cxnSpLocks/>
           </p:cNvCxnSpPr>
           <p:nvPr/>
         </p:nvCxnSpPr>
         <p:spPr>
-          <a:xfrm flipV="1">
-            <a:off x="3657600" y="2433060"/>
-            <a:ext cx="1567542" cy="493020"/>
+          <a:xfrm flipH="1">
+            <a:off x="9078682" y="1916870"/>
+            <a:ext cx="731523" cy="1157795"/>
           </a:xfrm>
           <a:prstGeom prst="straightConnector1">
             <a:avLst/>
@@ -6591,14 +6908,14 @@
       </p:cxnSp>
       <p:sp>
         <p:nvSpPr>
-          <p:cNvPr id="14" name="TextBox 13"/>
+          <p:cNvPr id="9" name="TextBox 8"/>
           <p:cNvSpPr txBox="1"/>
           <p:nvPr/>
         </p:nvSpPr>
         <p:spPr>
           <a:xfrm>
-            <a:off x="431075" y="1519009"/>
-            <a:ext cx="3435530" cy="923330"/>
+            <a:off x="3344091" y="3761751"/>
+            <a:ext cx="2024743" cy="923330"/>
           </a:xfrm>
           <a:prstGeom prst="rect">
             <a:avLst/>
@@ -6613,37 +6930,35 @@
           <a:p>
             <a:r>
               <a:rPr lang="de-DE" dirty="0"/>
-              <a:t>&lt;</a:t>
+              <a:t>Der Link, um die Seite neuzuladen </a:t>
+            </a:r>
+          </a:p>
+          <a:p>
+            <a:r>
+              <a:rPr lang="de-DE" dirty="0"/>
+              <a:t>(Attribut </a:t>
             </a:r>
             <a:r>
               <a:rPr lang="de-DE" dirty="0" err="1"/>
-              <a:t>center</a:t>
-            </a:r>
-            <a:r>
-              <a:rPr lang="de-DE" dirty="0"/>
-              <a:t>&gt; Element zentriert alle Inhalte, die zwischen den Tags stehen (not </a:t>
-            </a:r>
-            <a:r>
-              <a:rPr lang="de-DE" dirty="0" err="1"/>
-              <a:t>supported</a:t>
-            </a:r>
-            <a:r>
-              <a:rPr lang="de-DE" dirty="0"/>
-              <a:t> in HTML 5)</a:t>
-            </a:r>
-          </a:p>
-        </p:txBody>
-      </p:sp>
-      <p:sp>
-        <p:nvSpPr>
-          <p:cNvPr id="18" name="TextBox 17"/>
+              <a:t>href</a:t>
+            </a:r>
+            <a:r>
+              <a:rPr lang="de-DE" dirty="0"/>
+              <a:t>=„h“)</a:t>
+            </a:r>
+          </a:p>
+        </p:txBody>
+      </p:sp>
+      <p:sp>
+        <p:nvSpPr>
+          <p:cNvPr id="10" name="TextBox 9"/>
           <p:cNvSpPr txBox="1"/>
           <p:nvPr/>
         </p:nvSpPr>
         <p:spPr>
           <a:xfrm>
-            <a:off x="838201" y="2698017"/>
-            <a:ext cx="2819400" cy="1200329"/>
+            <a:off x="8967107" y="1157448"/>
+            <a:ext cx="2090061" cy="646331"/>
           </a:xfrm>
           <a:prstGeom prst="rect">
             <a:avLst/>
@@ -6658,111 +6973,11 @@
           <a:p>
             <a:r>
               <a:rPr lang="de-DE" dirty="0"/>
-              <a:t>Tabelle mit zwei Zeilen &lt;</a:t>
-            </a:r>
-            <a:r>
-              <a:rPr lang="de-DE" dirty="0" err="1"/>
-              <a:t>tr</a:t>
-            </a:r>
-            <a:r>
-              <a:rPr lang="de-DE" dirty="0"/>
-              <a:t>&gt; und zwei Spalten &lt;</a:t>
-            </a:r>
-            <a:r>
-              <a:rPr lang="de-DE" dirty="0" err="1"/>
-              <a:t>td</a:t>
-            </a:r>
-            <a:r>
-              <a:rPr lang="de-DE" dirty="0"/>
-              <a:t>&gt; zum ordentlichen Darstellen der Text/Bild-Inhalte</a:t>
-            </a:r>
-          </a:p>
-        </p:txBody>
-      </p:sp>
-      <p:cxnSp>
-        <p:nvCxnSpPr>
-          <p:cNvPr id="19" name="Straight Arrow Connector 18"/>
-          <p:cNvCxnSpPr>
-            <a:cxnSpLocks/>
-          </p:cNvCxnSpPr>
-          <p:nvPr/>
-        </p:nvCxnSpPr>
-        <p:spPr>
-          <a:xfrm>
-            <a:off x="4180114" y="4921216"/>
-            <a:ext cx="1854923" cy="0"/>
-          </a:xfrm>
-          <a:prstGeom prst="straightConnector1">
-            <a:avLst/>
-          </a:prstGeom>
-          <a:ln>
-            <a:headEnd type="none" w="med" len="med"/>
-            <a:tailEnd type="arrow" w="med" len="med"/>
-          </a:ln>
-          <a:scene3d>
-            <a:camera prst="orthographicFront"/>
-            <a:lightRig rig="threePt" dir="t"/>
-          </a:scene3d>
-          <a:sp3d>
-            <a:bevelT w="152400" h="50800" prst="softRound"/>
-          </a:sp3d>
-        </p:spPr>
-        <p:style>
-          <a:lnRef idx="3">
-            <a:schemeClr val="accent2"/>
-          </a:lnRef>
-          <a:fillRef idx="0">
-            <a:schemeClr val="accent2"/>
-          </a:fillRef>
-          <a:effectRef idx="2">
-            <a:schemeClr val="accent2"/>
-          </a:effectRef>
-          <a:fontRef idx="minor">
-            <a:schemeClr val="tx1"/>
-          </a:fontRef>
-        </p:style>
-      </p:cxnSp>
-      <p:sp>
-        <p:nvSpPr>
-          <p:cNvPr id="24" name="TextBox 23"/>
-          <p:cNvSpPr txBox="1"/>
-          <p:nvPr/>
-        </p:nvSpPr>
-        <p:spPr>
-          <a:xfrm>
-            <a:off x="1845130" y="4403408"/>
-            <a:ext cx="2362743" cy="923330"/>
-          </a:xfrm>
-          <a:prstGeom prst="rect">
-            <a:avLst/>
-          </a:prstGeom>
-          <a:noFill/>
-        </p:spPr>
-        <p:txBody>
-          <a:bodyPr wrap="square" rtlCol="0">
-            <a:spAutoFit/>
-          </a:bodyPr>
-          <a:lstStyle/>
-          <a:p>
-            <a:r>
-              <a:rPr lang="de-DE" dirty="0"/>
-              <a:t>Das &lt;</a:t>
-            </a:r>
-            <a:r>
-              <a:rPr lang="de-DE" dirty="0" err="1"/>
-              <a:t>img</a:t>
-            </a:r>
-            <a:r>
-              <a:rPr lang="de-DE" dirty="0"/>
-              <a:t>&gt; Element mit Attribut </a:t>
-            </a:r>
-            <a:r>
-              <a:rPr lang="de-DE" dirty="0" err="1"/>
-              <a:t>src</a:t>
-            </a:r>
-            <a:r>
-              <a:rPr lang="de-DE" dirty="0"/>
-              <a:t>, dass den Pfad zum Bild angibt</a:t>
+              <a:t>Fette Hervorhebung von „Group 46“ </a:t>
+            </a:r>
+            <a:r>
+              <a:rPr lang="de-DE" b="1" dirty="0"/>
+              <a:t>&lt;b&gt;</a:t>
             </a:r>
           </a:p>
         </p:txBody>
@@ -6770,7 +6985,7 @@
     </p:spTree>
     <p:extLst>
       <p:ext uri="{BB962C8B-B14F-4D97-AF65-F5344CB8AC3E}">
-        <p14:creationId xmlns:p14="http://schemas.microsoft.com/office/powerpoint/2010/main" val="2575052885"/>
+        <p14:creationId xmlns:p14="http://schemas.microsoft.com/office/powerpoint/2010/main" val="3030226095"/>
       </p:ext>
     </p:extLst>
   </p:cSld>
@@ -6815,7 +7030,7 @@
             <a:pPr algn="ctr"/>
             <a:r>
               <a:rPr lang="de-DE" dirty="0"/>
-              <a:t>Startseite (index.html) [2]</a:t>
+              <a:t>Startseite (index.html) [1]</a:t>
             </a:r>
           </a:p>
         </p:txBody>
@@ -6842,8 +7057,8 @@
         </p:blipFill>
         <p:spPr>
           <a:xfrm>
-            <a:off x="4622823" y="1690687"/>
-            <a:ext cx="2946354" cy="4992801"/>
+            <a:off x="4730387" y="1690688"/>
+            <a:ext cx="7277100" cy="4866866"/>
           </a:xfrm>
           <a:prstGeom prst="rect">
             <a:avLst/>
@@ -6859,9 +7074,9 @@
           <p:nvPr/>
         </p:nvCxnSpPr>
         <p:spPr>
-          <a:xfrm flipV="1">
-            <a:off x="3827417" y="2439273"/>
-            <a:ext cx="1449975" cy="199424"/>
+          <a:xfrm>
+            <a:off x="3657600" y="1946366"/>
+            <a:ext cx="1567542" cy="261256"/>
           </a:xfrm>
           <a:prstGeom prst="straightConnector1">
             <a:avLst/>
@@ -6893,49 +7108,6 @@
           </a:fontRef>
         </p:style>
       </p:cxnSp>
-      <p:sp>
-        <p:nvSpPr>
-          <p:cNvPr id="10" name="TextBox 9"/>
-          <p:cNvSpPr txBox="1"/>
-          <p:nvPr/>
-        </p:nvSpPr>
-        <p:spPr>
-          <a:xfrm>
-            <a:off x="705396" y="1975859"/>
-            <a:ext cx="3122021" cy="1754326"/>
-          </a:xfrm>
-          <a:prstGeom prst="rect">
-            <a:avLst/>
-          </a:prstGeom>
-          <a:noFill/>
-        </p:spPr>
-        <p:txBody>
-          <a:bodyPr wrap="square" rtlCol="0">
-            <a:spAutoFit/>
-          </a:bodyPr>
-          <a:lstStyle/>
-          <a:p>
-            <a:r>
-              <a:rPr lang="de-DE" dirty="0"/>
-              <a:t>&lt;p&gt; Element mit mehreren &lt;b&gt; Elementen, die durch Zeilenumbrüche &lt;</a:t>
-            </a:r>
-            <a:r>
-              <a:rPr lang="de-DE" dirty="0" err="1"/>
-              <a:t>br</a:t>
-            </a:r>
-            <a:r>
-              <a:rPr lang="de-DE" dirty="0"/>
-              <a:t>/&gt; getrennt sind. </a:t>
-            </a:r>
-          </a:p>
-          <a:p>
-            <a:r>
-              <a:rPr lang="de-DE" dirty="0"/>
-              <a:t>Dient zum Darstellen der einzelnen Bearbeitungsschritte.</a:t>
-            </a:r>
-          </a:p>
-        </p:txBody>
-      </p:sp>
       <p:cxnSp>
         <p:nvCxnSpPr>
           <p:cNvPr id="11" name="Straight Arrow Connector 10"/>
@@ -6946,8 +7118,8 @@
         </p:nvCxnSpPr>
         <p:spPr>
           <a:xfrm flipV="1">
-            <a:off x="3827417" y="2638697"/>
-            <a:ext cx="1815737" cy="15412"/>
+            <a:off x="3657600" y="2433060"/>
+            <a:ext cx="1567542" cy="493020"/>
           </a:xfrm>
           <a:prstGeom prst="straightConnector1">
             <a:avLst/>
@@ -6979,9 +7151,99 @@
           </a:fontRef>
         </p:style>
       </p:cxnSp>
+      <p:sp>
+        <p:nvSpPr>
+          <p:cNvPr id="14" name="TextBox 13"/>
+          <p:cNvSpPr txBox="1"/>
+          <p:nvPr/>
+        </p:nvSpPr>
+        <p:spPr>
+          <a:xfrm>
+            <a:off x="431075" y="1519009"/>
+            <a:ext cx="3435530" cy="923330"/>
+          </a:xfrm>
+          <a:prstGeom prst="rect">
+            <a:avLst/>
+          </a:prstGeom>
+          <a:noFill/>
+        </p:spPr>
+        <p:txBody>
+          <a:bodyPr wrap="square" rtlCol="0">
+            <a:spAutoFit/>
+          </a:bodyPr>
+          <a:lstStyle/>
+          <a:p>
+            <a:r>
+              <a:rPr lang="de-DE" dirty="0"/>
+              <a:t>&lt;</a:t>
+            </a:r>
+            <a:r>
+              <a:rPr lang="de-DE" dirty="0" err="1"/>
+              <a:t>center</a:t>
+            </a:r>
+            <a:r>
+              <a:rPr lang="de-DE" dirty="0"/>
+              <a:t>&gt; Element zentriert alle Inhalte, die zwischen den Tags stehen (not </a:t>
+            </a:r>
+            <a:r>
+              <a:rPr lang="de-DE" dirty="0" err="1"/>
+              <a:t>supported</a:t>
+            </a:r>
+            <a:r>
+              <a:rPr lang="de-DE" dirty="0"/>
+              <a:t> in HTML 5)</a:t>
+            </a:r>
+          </a:p>
+        </p:txBody>
+      </p:sp>
+      <p:sp>
+        <p:nvSpPr>
+          <p:cNvPr id="18" name="TextBox 17"/>
+          <p:cNvSpPr txBox="1"/>
+          <p:nvPr/>
+        </p:nvSpPr>
+        <p:spPr>
+          <a:xfrm>
+            <a:off x="838201" y="2698017"/>
+            <a:ext cx="2819400" cy="1200329"/>
+          </a:xfrm>
+          <a:prstGeom prst="rect">
+            <a:avLst/>
+          </a:prstGeom>
+          <a:noFill/>
+        </p:spPr>
+        <p:txBody>
+          <a:bodyPr wrap="square" rtlCol="0">
+            <a:spAutoFit/>
+          </a:bodyPr>
+          <a:lstStyle/>
+          <a:p>
+            <a:r>
+              <a:rPr lang="de-DE" dirty="0"/>
+              <a:t>Tabelle mit zwei Zeilen &lt;</a:t>
+            </a:r>
+            <a:r>
+              <a:rPr lang="de-DE" dirty="0" err="1"/>
+              <a:t>tr</a:t>
+            </a:r>
+            <a:r>
+              <a:rPr lang="de-DE" dirty="0"/>
+              <a:t>&gt; und zwei Spalten &lt;</a:t>
+            </a:r>
+            <a:r>
+              <a:rPr lang="de-DE" dirty="0" err="1"/>
+              <a:t>td</a:t>
+            </a:r>
+            <a:r>
+              <a:rPr lang="de-DE" dirty="0"/>
+              <a:t>&gt; zum ordentlichen Darstellen der Text/Bild-Inhalte</a:t>
+            </a:r>
+          </a:p>
+        </p:txBody>
+      </p:sp>
       <p:cxnSp>
         <p:nvCxnSpPr>
-          <p:cNvPr id="12" name="Straight Arrow Connector 11"/>
+          <p:cNvPr id="19" name="Straight Arrow Connector 18"/>
           <p:cNvCxnSpPr>
             <a:cxnSpLocks/>
           </p:cNvCxnSpPr>
@@ -6989,8 +7251,8 @@
         </p:nvCxnSpPr>
         <p:spPr>
           <a:xfrm>
-            <a:off x="3827417" y="2638696"/>
-            <a:ext cx="1815737" cy="428653"/>
+            <a:off x="4180114" y="4921216"/>
+            <a:ext cx="1854923" cy="0"/>
           </a:xfrm>
           <a:prstGeom prst="straightConnector1">
             <a:avLst/>
@@ -7022,10 +7284,55 @@
           </a:fontRef>
         </p:style>
       </p:cxnSp>
+      <p:sp>
+        <p:nvSpPr>
+          <p:cNvPr id="24" name="TextBox 23"/>
+          <p:cNvSpPr txBox="1"/>
+          <p:nvPr/>
+        </p:nvSpPr>
+        <p:spPr>
+          <a:xfrm>
+            <a:off x="1845130" y="4403408"/>
+            <a:ext cx="2362743" cy="923330"/>
+          </a:xfrm>
+          <a:prstGeom prst="rect">
+            <a:avLst/>
+          </a:prstGeom>
+          <a:noFill/>
+        </p:spPr>
+        <p:txBody>
+          <a:bodyPr wrap="square" rtlCol="0">
+            <a:spAutoFit/>
+          </a:bodyPr>
+          <a:lstStyle/>
+          <a:p>
+            <a:r>
+              <a:rPr lang="de-DE" dirty="0"/>
+              <a:t>Das &lt;</a:t>
+            </a:r>
+            <a:r>
+              <a:rPr lang="de-DE" dirty="0" err="1"/>
+              <a:t>img</a:t>
+            </a:r>
+            <a:r>
+              <a:rPr lang="de-DE" dirty="0"/>
+              <a:t>&gt; Element mit Attribut </a:t>
+            </a:r>
+            <a:r>
+              <a:rPr lang="de-DE" dirty="0" err="1"/>
+              <a:t>src</a:t>
+            </a:r>
+            <a:r>
+              <a:rPr lang="de-DE" dirty="0"/>
+              <a:t>, dass den Pfad zum Bild angibt</a:t>
+            </a:r>
+          </a:p>
+        </p:txBody>
+      </p:sp>
     </p:spTree>
     <p:extLst>
       <p:ext uri="{BB962C8B-B14F-4D97-AF65-F5344CB8AC3E}">
-        <p14:creationId xmlns:p14="http://schemas.microsoft.com/office/powerpoint/2010/main" val="567599104"/>
+        <p14:creationId xmlns:p14="http://schemas.microsoft.com/office/powerpoint/2010/main" val="2575052885"/>
       </p:ext>
     </p:extLst>
   </p:cSld>
@@ -7062,12 +7369,7 @@
             <p:ph type="title"/>
           </p:nvPr>
         </p:nvSpPr>
-        <p:spPr>
-          <a:xfrm>
-            <a:off x="838200" y="365125"/>
-            <a:ext cx="10515600" cy="1325563"/>
-          </a:xfrm>
-        </p:spPr>
+        <p:spPr/>
         <p:txBody>
           <a:bodyPr/>
           <a:lstStyle/>
@@ -7075,14 +7377,14 @@
             <a:pPr algn="ctr"/>
             <a:r>
               <a:rPr lang="de-DE" dirty="0"/>
-              <a:t>Verwaltung (verwalten.html) </a:t>
+              <a:t>Startseite (index.html) [2]</a:t>
             </a:r>
           </a:p>
         </p:txBody>
       </p:sp>
       <p:pic>
         <p:nvPicPr>
-          <p:cNvPr id="7" name="Picture 6"/>
+          <p:cNvPr id="5" name="Picture 4"/>
           <p:cNvPicPr>
             <a:picLocks noChangeAspect="1"/>
           </p:cNvPicPr>
@@ -7102,8 +7404,8 @@
         </p:blipFill>
         <p:spPr>
           <a:xfrm>
-            <a:off x="5712006" y="1423851"/>
-            <a:ext cx="6334125" cy="5316583"/>
+            <a:off x="4622823" y="1690687"/>
+            <a:ext cx="2946354" cy="4992801"/>
           </a:xfrm>
           <a:prstGeom prst="rect">
             <a:avLst/>
@@ -7112,17 +7414,16 @@
       </p:pic>
       <p:cxnSp>
         <p:nvCxnSpPr>
-          <p:cNvPr id="8" name="Straight Arrow Connector 7"/>
+          <p:cNvPr id="6" name="Straight Arrow Connector 5"/>
           <p:cNvCxnSpPr>
             <a:cxnSpLocks/>
-            <a:stCxn id="19" idx="3"/>
           </p:cNvCxnSpPr>
           <p:nvPr/>
         </p:nvCxnSpPr>
         <p:spPr>
-          <a:xfrm>
-            <a:off x="4625001" y="1902484"/>
-            <a:ext cx="1632107" cy="334633"/>
+          <a:xfrm flipV="1">
+            <a:off x="3827417" y="2439273"/>
+            <a:ext cx="1449975" cy="199424"/>
           </a:xfrm>
           <a:prstGeom prst="straightConnector1">
             <a:avLst/>
@@ -7154,9 +7455,52 @@
           </a:fontRef>
         </p:style>
       </p:cxnSp>
+      <p:sp>
+        <p:nvSpPr>
+          <p:cNvPr id="10" name="TextBox 9"/>
+          <p:cNvSpPr txBox="1"/>
+          <p:nvPr/>
+        </p:nvSpPr>
+        <p:spPr>
+          <a:xfrm>
+            <a:off x="705396" y="1975859"/>
+            <a:ext cx="3122021" cy="1754326"/>
+          </a:xfrm>
+          <a:prstGeom prst="rect">
+            <a:avLst/>
+          </a:prstGeom>
+          <a:noFill/>
+        </p:spPr>
+        <p:txBody>
+          <a:bodyPr wrap="square" rtlCol="0">
+            <a:spAutoFit/>
+          </a:bodyPr>
+          <a:lstStyle/>
+          <a:p>
+            <a:r>
+              <a:rPr lang="de-DE" dirty="0"/>
+              <a:t>&lt;p&gt; Element mit mehreren &lt;b&gt; Elementen, die durch Zeilenumbrüche &lt;</a:t>
+            </a:r>
+            <a:r>
+              <a:rPr lang="de-DE" dirty="0" err="1"/>
+              <a:t>br</a:t>
+            </a:r>
+            <a:r>
+              <a:rPr lang="de-DE" dirty="0"/>
+              <a:t>/&gt; getrennt sind. </a:t>
+            </a:r>
+          </a:p>
+          <a:p>
+            <a:r>
+              <a:rPr lang="de-DE" dirty="0"/>
+              <a:t>Dient zum Darstellen der einzelnen Bearbeitungsschritte.</a:t>
+            </a:r>
+          </a:p>
+        </p:txBody>
+      </p:sp>
       <p:cxnSp>
         <p:nvCxnSpPr>
-          <p:cNvPr id="15" name="Straight Arrow Connector 14"/>
+          <p:cNvPr id="11" name="Straight Arrow Connector 10"/>
           <p:cNvCxnSpPr>
             <a:cxnSpLocks/>
           </p:cNvCxnSpPr>
@@ -7164,8 +7508,8 @@
         </p:nvCxnSpPr>
         <p:spPr>
           <a:xfrm flipV="1">
-            <a:off x="5432312" y="2651760"/>
-            <a:ext cx="1327376" cy="267788"/>
+            <a:off x="3827417" y="2638697"/>
+            <a:ext cx="1815737" cy="15412"/>
           </a:xfrm>
           <a:prstGeom prst="straightConnector1">
             <a:avLst/>
@@ -7197,47 +7541,18 @@
           </a:fontRef>
         </p:style>
       </p:cxnSp>
-      <p:sp>
-        <p:nvSpPr>
-          <p:cNvPr id="19" name="TextBox 18"/>
-          <p:cNvSpPr txBox="1"/>
-          <p:nvPr/>
-        </p:nvSpPr>
-        <p:spPr>
-          <a:xfrm>
-            <a:off x="1041491" y="1579318"/>
-            <a:ext cx="3583510" cy="646331"/>
-          </a:xfrm>
-          <a:prstGeom prst="rect">
-            <a:avLst/>
-          </a:prstGeom>
-          <a:noFill/>
-        </p:spPr>
-        <p:txBody>
-          <a:bodyPr wrap="square" rtlCol="0">
-            <a:spAutoFit/>
-          </a:bodyPr>
-          <a:lstStyle/>
-          <a:p>
-            <a:r>
-              <a:rPr lang="de-DE" dirty="0"/>
-              <a:t>Die Tabelle stellt die Übersicht aller Messgeräte dar. </a:t>
-            </a:r>
-          </a:p>
-        </p:txBody>
-      </p:sp>
       <p:cxnSp>
         <p:nvCxnSpPr>
-          <p:cNvPr id="22" name="Straight Arrow Connector 21"/>
+          <p:cNvPr id="12" name="Straight Arrow Connector 11"/>
           <p:cNvCxnSpPr>
             <a:cxnSpLocks/>
           </p:cNvCxnSpPr>
           <p:nvPr/>
         </p:nvCxnSpPr>
         <p:spPr>
-          <a:xfrm flipV="1">
-            <a:off x="5432312" y="2790146"/>
-            <a:ext cx="1347311" cy="129402"/>
+          <a:xfrm>
+            <a:off x="3827417" y="2638696"/>
+            <a:ext cx="1815737" cy="428653"/>
           </a:xfrm>
           <a:prstGeom prst="straightConnector1">
             <a:avLst/>
@@ -7269,366 +7584,10 @@
           </a:fontRef>
         </p:style>
       </p:cxnSp>
-      <p:cxnSp>
-        <p:nvCxnSpPr>
-          <p:cNvPr id="23" name="Straight Arrow Connector 22"/>
-          <p:cNvCxnSpPr>
-            <a:cxnSpLocks/>
-          </p:cNvCxnSpPr>
-          <p:nvPr/>
-        </p:nvCxnSpPr>
-        <p:spPr>
-          <a:xfrm>
-            <a:off x="5432312" y="2937282"/>
-            <a:ext cx="1327376" cy="0"/>
-          </a:xfrm>
-          <a:prstGeom prst="straightConnector1">
-            <a:avLst/>
-          </a:prstGeom>
-          <a:ln>
-            <a:headEnd type="none" w="med" len="med"/>
-            <a:tailEnd type="arrow" w="med" len="med"/>
-          </a:ln>
-          <a:scene3d>
-            <a:camera prst="orthographicFront"/>
-            <a:lightRig rig="threePt" dir="t"/>
-          </a:scene3d>
-          <a:sp3d>
-            <a:bevelT w="152400" h="50800" prst="softRound"/>
-          </a:sp3d>
-        </p:spPr>
-        <p:style>
-          <a:lnRef idx="3">
-            <a:schemeClr val="accent2"/>
-          </a:lnRef>
-          <a:fillRef idx="0">
-            <a:schemeClr val="accent2"/>
-          </a:fillRef>
-          <a:effectRef idx="2">
-            <a:schemeClr val="accent2"/>
-          </a:effectRef>
-          <a:fontRef idx="minor">
-            <a:schemeClr val="tx1"/>
-          </a:fontRef>
-        </p:style>
-      </p:cxnSp>
-      <p:sp>
-        <p:nvSpPr>
-          <p:cNvPr id="29" name="TextBox 28"/>
-          <p:cNvSpPr txBox="1"/>
-          <p:nvPr/>
-        </p:nvSpPr>
-        <p:spPr>
-          <a:xfrm>
-            <a:off x="1499134" y="2441600"/>
-            <a:ext cx="4082993" cy="923330"/>
-          </a:xfrm>
-          <a:prstGeom prst="rect">
-            <a:avLst/>
-          </a:prstGeom>
-          <a:noFill/>
-        </p:spPr>
-        <p:txBody>
-          <a:bodyPr wrap="square" rtlCol="0">
-            <a:spAutoFit/>
-          </a:bodyPr>
-          <a:lstStyle/>
-          <a:p>
-            <a:r>
-              <a:rPr lang="de-DE" dirty="0"/>
-              <a:t>Die drei &lt;</a:t>
-            </a:r>
-            <a:r>
-              <a:rPr lang="de-DE" dirty="0" err="1"/>
-              <a:t>th</a:t>
-            </a:r>
-            <a:r>
-              <a:rPr lang="de-DE" dirty="0"/>
-              <a:t>&gt; Elemente sind die </a:t>
-            </a:r>
-            <a:r>
-              <a:rPr lang="de-DE" dirty="0" err="1"/>
-              <a:t>header</a:t>
-            </a:r>
-            <a:r>
-              <a:rPr lang="de-DE" dirty="0"/>
-              <a:t> Zellen. Hier stehen die Spaltennamen: </a:t>
-            </a:r>
-          </a:p>
-          <a:p>
-            <a:r>
-              <a:rPr lang="de-DE" dirty="0"/>
-              <a:t>Gerätetyp, Gerätekennung, Optionen</a:t>
-            </a:r>
-          </a:p>
-        </p:txBody>
-      </p:sp>
-      <p:cxnSp>
-        <p:nvCxnSpPr>
-          <p:cNvPr id="30" name="Straight Arrow Connector 29"/>
-          <p:cNvCxnSpPr>
-            <a:cxnSpLocks/>
-          </p:cNvCxnSpPr>
-          <p:nvPr/>
-        </p:nvCxnSpPr>
-        <p:spPr>
-          <a:xfrm flipV="1">
-            <a:off x="5452247" y="4422093"/>
-            <a:ext cx="1327376" cy="204652"/>
-          </a:xfrm>
-          <a:prstGeom prst="straightConnector1">
-            <a:avLst/>
-          </a:prstGeom>
-          <a:ln>
-            <a:headEnd type="none" w="med" len="med"/>
-            <a:tailEnd type="arrow" w="med" len="med"/>
-          </a:ln>
-          <a:scene3d>
-            <a:camera prst="orthographicFront"/>
-            <a:lightRig rig="threePt" dir="t"/>
-          </a:scene3d>
-          <a:sp3d>
-            <a:bevelT w="152400" h="50800" prst="softRound"/>
-          </a:sp3d>
-        </p:spPr>
-        <p:style>
-          <a:lnRef idx="3">
-            <a:schemeClr val="accent2"/>
-          </a:lnRef>
-          <a:fillRef idx="0">
-            <a:schemeClr val="accent2"/>
-          </a:fillRef>
-          <a:effectRef idx="2">
-            <a:schemeClr val="accent2"/>
-          </a:effectRef>
-          <a:fontRef idx="minor">
-            <a:schemeClr val="tx1"/>
-          </a:fontRef>
-        </p:style>
-      </p:cxnSp>
-      <p:cxnSp>
-        <p:nvCxnSpPr>
-          <p:cNvPr id="31" name="Straight Arrow Connector 30"/>
-          <p:cNvCxnSpPr>
-            <a:cxnSpLocks/>
-          </p:cNvCxnSpPr>
-          <p:nvPr/>
-        </p:nvCxnSpPr>
-        <p:spPr>
-          <a:xfrm>
-            <a:off x="5452247" y="4626745"/>
-            <a:ext cx="1327376" cy="0"/>
-          </a:xfrm>
-          <a:prstGeom prst="straightConnector1">
-            <a:avLst/>
-          </a:prstGeom>
-          <a:ln>
-            <a:headEnd type="none" w="med" len="med"/>
-            <a:tailEnd type="arrow" w="med" len="med"/>
-          </a:ln>
-          <a:scene3d>
-            <a:camera prst="orthographicFront"/>
-            <a:lightRig rig="threePt" dir="t"/>
-          </a:scene3d>
-          <a:sp3d>
-            <a:bevelT w="152400" h="50800" prst="softRound"/>
-          </a:sp3d>
-        </p:spPr>
-        <p:style>
-          <a:lnRef idx="3">
-            <a:schemeClr val="accent2"/>
-          </a:lnRef>
-          <a:fillRef idx="0">
-            <a:schemeClr val="accent2"/>
-          </a:fillRef>
-          <a:effectRef idx="2">
-            <a:schemeClr val="accent2"/>
-          </a:effectRef>
-          <a:fontRef idx="minor">
-            <a:schemeClr val="tx1"/>
-          </a:fontRef>
-        </p:style>
-      </p:cxnSp>
-      <p:cxnSp>
-        <p:nvCxnSpPr>
-          <p:cNvPr id="32" name="Straight Arrow Connector 31"/>
-          <p:cNvCxnSpPr>
-            <a:cxnSpLocks/>
-          </p:cNvCxnSpPr>
-          <p:nvPr/>
-        </p:nvCxnSpPr>
-        <p:spPr>
-          <a:xfrm>
-            <a:off x="5452247" y="4626745"/>
-            <a:ext cx="1327376" cy="178525"/>
-          </a:xfrm>
-          <a:prstGeom prst="straightConnector1">
-            <a:avLst/>
-          </a:prstGeom>
-          <a:ln>
-            <a:headEnd type="none" w="med" len="med"/>
-            <a:tailEnd type="arrow" w="med" len="med"/>
-          </a:ln>
-          <a:scene3d>
-            <a:camera prst="orthographicFront"/>
-            <a:lightRig rig="threePt" dir="t"/>
-          </a:scene3d>
-          <a:sp3d>
-            <a:bevelT w="152400" h="50800" prst="softRound"/>
-          </a:sp3d>
-        </p:spPr>
-        <p:style>
-          <a:lnRef idx="3">
-            <a:schemeClr val="accent2"/>
-          </a:lnRef>
-          <a:fillRef idx="0">
-            <a:schemeClr val="accent2"/>
-          </a:fillRef>
-          <a:effectRef idx="2">
-            <a:schemeClr val="accent2"/>
-          </a:effectRef>
-          <a:fontRef idx="minor">
-            <a:schemeClr val="tx1"/>
-          </a:fontRef>
-        </p:style>
-      </p:cxnSp>
-      <p:sp>
-        <p:nvSpPr>
-          <p:cNvPr id="35" name="TextBox 34"/>
-          <p:cNvSpPr txBox="1"/>
-          <p:nvPr/>
-        </p:nvSpPr>
-        <p:spPr>
-          <a:xfrm>
-            <a:off x="1041491" y="3924254"/>
-            <a:ext cx="4523286" cy="1200329"/>
-          </a:xfrm>
-          <a:prstGeom prst="rect">
-            <a:avLst/>
-          </a:prstGeom>
-          <a:noFill/>
-        </p:spPr>
-        <p:txBody>
-          <a:bodyPr wrap="square" rtlCol="0">
-            <a:spAutoFit/>
-          </a:bodyPr>
-          <a:lstStyle/>
-          <a:p>
-            <a:r>
-              <a:rPr lang="de-DE" dirty="0"/>
-              <a:t>Die drei &lt;</a:t>
-            </a:r>
-            <a:r>
-              <a:rPr lang="de-DE" dirty="0" err="1"/>
-              <a:t>td</a:t>
-            </a:r>
-            <a:r>
-              <a:rPr lang="de-DE" dirty="0"/>
-              <a:t>&gt; Elemente sind die Datenzellen. Sie können mit allen Elementen befüllt werden. Hier stehen die entsprechenden Inhalte: &lt;</a:t>
-            </a:r>
-            <a:r>
-              <a:rPr lang="de-DE" dirty="0" err="1"/>
-              <a:t>img</a:t>
-            </a:r>
-            <a:r>
-              <a:rPr lang="de-DE" dirty="0"/>
-              <a:t>&gt;, </a:t>
-            </a:r>
-            <a:r>
-              <a:rPr lang="de-DE" dirty="0" err="1"/>
-              <a:t>text</a:t>
-            </a:r>
-            <a:r>
-              <a:rPr lang="de-DE" dirty="0"/>
-              <a:t>, &lt;a&gt;. </a:t>
-            </a:r>
-          </a:p>
-        </p:txBody>
-      </p:sp>
-      <p:cxnSp>
-        <p:nvCxnSpPr>
-          <p:cNvPr id="36" name="Straight Arrow Connector 35"/>
-          <p:cNvCxnSpPr>
-            <a:cxnSpLocks/>
-          </p:cNvCxnSpPr>
-          <p:nvPr/>
-        </p:nvCxnSpPr>
-        <p:spPr>
-          <a:xfrm flipV="1">
-            <a:off x="5011205" y="5255124"/>
-            <a:ext cx="1814325" cy="309653"/>
-          </a:xfrm>
-          <a:prstGeom prst="straightConnector1">
-            <a:avLst/>
-          </a:prstGeom>
-          <a:ln>
-            <a:headEnd type="none" w="med" len="med"/>
-            <a:tailEnd type="arrow" w="med" len="med"/>
-          </a:ln>
-          <a:scene3d>
-            <a:camera prst="orthographicFront"/>
-            <a:lightRig rig="threePt" dir="t"/>
-          </a:scene3d>
-          <a:sp3d>
-            <a:bevelT w="152400" h="50800" prst="softRound"/>
-          </a:sp3d>
-        </p:spPr>
-        <p:style>
-          <a:lnRef idx="3">
-            <a:schemeClr val="accent2"/>
-          </a:lnRef>
-          <a:fillRef idx="0">
-            <a:schemeClr val="accent2"/>
-          </a:fillRef>
-          <a:effectRef idx="2">
-            <a:schemeClr val="accent2"/>
-          </a:effectRef>
-          <a:fontRef idx="minor">
-            <a:schemeClr val="tx1"/>
-          </a:fontRef>
-        </p:style>
-      </p:cxnSp>
-      <p:sp>
-        <p:nvSpPr>
-          <p:cNvPr id="39" name="TextBox 38"/>
-          <p:cNvSpPr txBox="1"/>
-          <p:nvPr/>
-        </p:nvSpPr>
-        <p:spPr>
-          <a:xfrm>
-            <a:off x="130628" y="5316171"/>
-            <a:ext cx="4880577" cy="1477328"/>
-          </a:xfrm>
-          <a:prstGeom prst="rect">
-            <a:avLst/>
-          </a:prstGeom>
-          <a:noFill/>
-        </p:spPr>
-        <p:txBody>
-          <a:bodyPr wrap="square" rtlCol="0">
-            <a:spAutoFit/>
-          </a:bodyPr>
-          <a:lstStyle/>
-          <a:p>
-            <a:r>
-              <a:rPr lang="de-DE" dirty="0"/>
-              <a:t>Die Klasse „</a:t>
-            </a:r>
-            <a:r>
-              <a:rPr lang="de-DE" dirty="0" err="1"/>
-              <a:t>overview</a:t>
-            </a:r>
-            <a:r>
-              <a:rPr lang="de-DE" dirty="0"/>
-              <a:t>“ dient zum Stylen mit Hilfe von CSS. Auf die kann sowohl direkt als auch über Elemente zugegriffen werden. So kann man verschiedene Styles auf verschiedene Elemente mit derselben Klasse anwenden.</a:t>
-            </a:r>
-          </a:p>
-        </p:txBody>
-      </p:sp>
     </p:spTree>
     <p:extLst>
       <p:ext uri="{BB962C8B-B14F-4D97-AF65-F5344CB8AC3E}">
-        <p14:creationId xmlns:p14="http://schemas.microsoft.com/office/powerpoint/2010/main" val="3137529075"/>
+        <p14:creationId xmlns:p14="http://schemas.microsoft.com/office/powerpoint/2010/main" val="567599104"/>
       </p:ext>
     </p:extLst>
   </p:cSld>
@@ -7665,7 +7624,12 @@
             <p:ph type="title"/>
           </p:nvPr>
         </p:nvSpPr>
-        <p:spPr/>
+        <p:spPr>
+          <a:xfrm>
+            <a:off x="838200" y="365125"/>
+            <a:ext cx="10515600" cy="1325563"/>
+          </a:xfrm>
+        </p:spPr>
         <p:txBody>
           <a:bodyPr/>
           <a:lstStyle/>
@@ -7673,14 +7637,14 @@
             <a:pPr algn="ctr"/>
             <a:r>
               <a:rPr lang="de-DE" dirty="0"/>
-              <a:t>Detailansicht (detail1.html) [1]</a:t>
+              <a:t>Verwaltung (verwalten.html) </a:t>
             </a:r>
           </a:p>
         </p:txBody>
       </p:sp>
       <p:pic>
         <p:nvPicPr>
-          <p:cNvPr id="5" name="Picture 4"/>
+          <p:cNvPr id="7" name="Picture 6"/>
           <p:cNvPicPr>
             <a:picLocks noChangeAspect="1"/>
           </p:cNvPicPr>
@@ -7700,8 +7664,8 @@
         </p:blipFill>
         <p:spPr>
           <a:xfrm>
-            <a:off x="5408023" y="1338400"/>
-            <a:ext cx="6609805" cy="5428159"/>
+            <a:off x="5712006" y="1423851"/>
+            <a:ext cx="6334125" cy="5316583"/>
           </a:xfrm>
           <a:prstGeom prst="rect">
             <a:avLst/>
@@ -7710,16 +7674,17 @@
       </p:pic>
       <p:cxnSp>
         <p:nvCxnSpPr>
-          <p:cNvPr id="6" name="Straight Arrow Connector 5"/>
+          <p:cNvPr id="8" name="Straight Arrow Connector 7"/>
           <p:cNvCxnSpPr>
             <a:cxnSpLocks/>
+            <a:stCxn id="19" idx="3"/>
           </p:cNvCxnSpPr>
           <p:nvPr/>
         </p:nvCxnSpPr>
         <p:spPr>
-          <a:xfrm flipV="1">
-            <a:off x="4070679" y="1968613"/>
-            <a:ext cx="1814325" cy="309653"/>
+          <a:xfrm>
+            <a:off x="4625001" y="1902484"/>
+            <a:ext cx="1632107" cy="334633"/>
           </a:xfrm>
           <a:prstGeom prst="straightConnector1">
             <a:avLst/>
@@ -7753,16 +7718,16 @@
       </p:cxnSp>
       <p:cxnSp>
         <p:nvCxnSpPr>
-          <p:cNvPr id="7" name="Straight Arrow Connector 6"/>
+          <p:cNvPr id="15" name="Straight Arrow Connector 14"/>
           <p:cNvCxnSpPr>
             <a:cxnSpLocks/>
           </p:cNvCxnSpPr>
           <p:nvPr/>
         </p:nvCxnSpPr>
         <p:spPr>
-          <a:xfrm>
-            <a:off x="4070679" y="2278266"/>
-            <a:ext cx="2580679" cy="490562"/>
+          <a:xfrm flipV="1">
+            <a:off x="5432312" y="2651760"/>
+            <a:ext cx="1327376" cy="267788"/>
           </a:xfrm>
           <a:prstGeom prst="straightConnector1">
             <a:avLst/>
@@ -7794,9 +7759,38 @@
           </a:fontRef>
         </p:style>
       </p:cxnSp>
+      <p:sp>
+        <p:nvSpPr>
+          <p:cNvPr id="19" name="TextBox 18"/>
+          <p:cNvSpPr txBox="1"/>
+          <p:nvPr/>
+        </p:nvSpPr>
+        <p:spPr>
+          <a:xfrm>
+            <a:off x="1041491" y="1579318"/>
+            <a:ext cx="3583510" cy="646331"/>
+          </a:xfrm>
+          <a:prstGeom prst="rect">
+            <a:avLst/>
+          </a:prstGeom>
+          <a:noFill/>
+        </p:spPr>
+        <p:txBody>
+          <a:bodyPr wrap="square" rtlCol="0">
+            <a:spAutoFit/>
+          </a:bodyPr>
+          <a:lstStyle/>
+          <a:p>
+            <a:r>
+              <a:rPr lang="de-DE" dirty="0"/>
+              <a:t>Die Tabelle stellt die Übersicht aller Messgeräte dar. </a:t>
+            </a:r>
+          </a:p>
+        </p:txBody>
+      </p:sp>
       <p:cxnSp>
         <p:nvCxnSpPr>
-          <p:cNvPr id="8" name="Straight Arrow Connector 7"/>
+          <p:cNvPr id="22" name="Straight Arrow Connector 21"/>
           <p:cNvCxnSpPr>
             <a:cxnSpLocks/>
           </p:cNvCxnSpPr>
@@ -7804,8 +7798,8 @@
         </p:nvCxnSpPr>
         <p:spPr>
           <a:xfrm flipV="1">
-            <a:off x="5172891" y="3315516"/>
-            <a:ext cx="2526438" cy="279671"/>
+            <a:off x="5432312" y="2790146"/>
+            <a:ext cx="1347311" cy="129402"/>
           </a:xfrm>
           <a:prstGeom prst="straightConnector1">
             <a:avLst/>
@@ -7839,7 +7833,7 @@
       </p:cxnSp>
       <p:cxnSp>
         <p:nvCxnSpPr>
-          <p:cNvPr id="9" name="Straight Arrow Connector 8"/>
+          <p:cNvPr id="23" name="Straight Arrow Connector 22"/>
           <p:cNvCxnSpPr>
             <a:cxnSpLocks/>
           </p:cNvCxnSpPr>
@@ -7847,8 +7841,8 @@
         </p:nvCxnSpPr>
         <p:spPr>
           <a:xfrm>
-            <a:off x="5264331" y="3595187"/>
-            <a:ext cx="2376402" cy="268765"/>
+            <a:off x="5432312" y="2937282"/>
+            <a:ext cx="1327376" cy="0"/>
           </a:xfrm>
           <a:prstGeom prst="straightConnector1">
             <a:avLst/>
@@ -7882,14 +7876,14 @@
       </p:cxnSp>
       <p:sp>
         <p:nvSpPr>
-          <p:cNvPr id="11" name="TextBox 10"/>
+          <p:cNvPr id="29" name="TextBox 28"/>
           <p:cNvSpPr txBox="1"/>
           <p:nvPr/>
         </p:nvSpPr>
         <p:spPr>
           <a:xfrm>
-            <a:off x="487169" y="1690688"/>
-            <a:ext cx="3583510" cy="1200329"/>
+            <a:off x="1499134" y="2441600"/>
+            <a:ext cx="4082993" cy="923330"/>
           </a:xfrm>
           <a:prstGeom prst="rect">
             <a:avLst/>
@@ -7904,31 +7898,45 @@
           <a:p>
             <a:r>
               <a:rPr lang="de-DE" dirty="0"/>
-              <a:t>Hier ist ein Tabellenelement in ein anderes verschachtelt im &lt;</a:t>
+              <a:t>Die drei &lt;</a:t>
             </a:r>
             <a:r>
               <a:rPr lang="de-DE" dirty="0" err="1"/>
-              <a:t>td</a:t>
-            </a:r>
-            <a:r>
-              <a:rPr lang="de-DE" dirty="0"/>
-              <a:t>&gt; Element. So kann das Bild links von der Tabelle positioniert werden.</a:t>
+              <a:t>th</a:t>
+            </a:r>
+            <a:r>
+              <a:rPr lang="de-DE" dirty="0"/>
+              <a:t>&gt; Elemente sind die </a:t>
+            </a:r>
+            <a:r>
+              <a:rPr lang="de-DE" dirty="0" err="1"/>
+              <a:t>header</a:t>
+            </a:r>
+            <a:r>
+              <a:rPr lang="de-DE" dirty="0"/>
+              <a:t> Zellen. Hier stehen die Spaltennamen: </a:t>
+            </a:r>
+          </a:p>
+          <a:p>
+            <a:r>
+              <a:rPr lang="de-DE" dirty="0"/>
+              <a:t>Gerätetyp, Gerätekennung, Optionen</a:t>
             </a:r>
           </a:p>
         </p:txBody>
       </p:sp>
       <p:cxnSp>
         <p:nvCxnSpPr>
-          <p:cNvPr id="14" name="Straight Arrow Connector 13"/>
+          <p:cNvPr id="30" name="Straight Arrow Connector 29"/>
           <p:cNvCxnSpPr>
             <a:cxnSpLocks/>
           </p:cNvCxnSpPr>
           <p:nvPr/>
         </p:nvCxnSpPr>
         <p:spPr>
-          <a:xfrm>
-            <a:off x="5172891" y="3595187"/>
-            <a:ext cx="2467842" cy="902507"/>
+          <a:xfrm flipV="1">
+            <a:off x="5452247" y="4422093"/>
+            <a:ext cx="1327376" cy="204652"/>
           </a:xfrm>
           <a:prstGeom prst="straightConnector1">
             <a:avLst/>
@@ -7960,72 +7968,18 @@
           </a:fontRef>
         </p:style>
       </p:cxnSp>
-      <p:sp>
-        <p:nvSpPr>
-          <p:cNvPr id="18" name="TextBox 17"/>
-          <p:cNvSpPr txBox="1"/>
-          <p:nvPr/>
-        </p:nvSpPr>
-        <p:spPr>
-          <a:xfrm>
-            <a:off x="1946366" y="2873463"/>
-            <a:ext cx="3559628" cy="1754326"/>
-          </a:xfrm>
-          <a:prstGeom prst="rect">
-            <a:avLst/>
-          </a:prstGeom>
-          <a:noFill/>
-        </p:spPr>
-        <p:txBody>
-          <a:bodyPr wrap="square" rtlCol="0">
-            <a:spAutoFit/>
-          </a:bodyPr>
-          <a:lstStyle/>
-          <a:p>
-            <a:r>
-              <a:rPr lang="de-DE" dirty="0"/>
-              <a:t>Die Datenzellen &lt;</a:t>
-            </a:r>
-            <a:r>
-              <a:rPr lang="de-DE" dirty="0" err="1"/>
-              <a:t>td</a:t>
-            </a:r>
-            <a:r>
-              <a:rPr lang="de-DE" dirty="0"/>
-              <a:t>&gt; werden mit einer </a:t>
-            </a:r>
-            <a:r>
-              <a:rPr lang="de-DE" dirty="0" err="1"/>
-              <a:t>id</a:t>
-            </a:r>
-            <a:r>
-              <a:rPr lang="de-DE" dirty="0"/>
-              <a:t> ausgezeichnet, damit sie später mit Hilfe von </a:t>
-            </a:r>
-            <a:r>
-              <a:rPr lang="de-DE" dirty="0" err="1"/>
-              <a:t>JQuery</a:t>
-            </a:r>
-            <a:r>
-              <a:rPr lang="de-DE" dirty="0"/>
-              <a:t>  ausgewählt und dynamisch mit Inhalt (Zahlen) befüllt werden können</a:t>
-            </a:r>
-          </a:p>
-        </p:txBody>
-      </p:sp>
       <p:cxnSp>
         <p:nvCxnSpPr>
-          <p:cNvPr id="20" name="Straight Arrow Connector 19"/>
+          <p:cNvPr id="31" name="Straight Arrow Connector 30"/>
           <p:cNvCxnSpPr>
             <a:cxnSpLocks/>
-            <a:stCxn id="23" idx="3"/>
           </p:cNvCxnSpPr>
           <p:nvPr/>
         </p:nvCxnSpPr>
         <p:spPr>
-          <a:xfrm flipV="1">
-            <a:off x="4872446" y="5269899"/>
-            <a:ext cx="2826883" cy="100534"/>
+          <a:xfrm>
+            <a:off x="5452247" y="4626745"/>
+            <a:ext cx="1327376" cy="0"/>
           </a:xfrm>
           <a:prstGeom prst="straightConnector1">
             <a:avLst/>
@@ -8057,16 +8011,59 @@
           </a:fontRef>
         </p:style>
       </p:cxnSp>
-      <p:sp>
-        <p:nvSpPr>
-          <p:cNvPr id="23" name="TextBox 22"/>
+      <p:cxnSp>
+        <p:nvCxnSpPr>
+          <p:cNvPr id="32" name="Straight Arrow Connector 31"/>
+          <p:cNvCxnSpPr>
+            <a:cxnSpLocks/>
+          </p:cNvCxnSpPr>
+          <p:nvPr/>
+        </p:nvCxnSpPr>
+        <p:spPr>
+          <a:xfrm>
+            <a:off x="5452247" y="4626745"/>
+            <a:ext cx="1327376" cy="178525"/>
+          </a:xfrm>
+          <a:prstGeom prst="straightConnector1">
+            <a:avLst/>
+          </a:prstGeom>
+          <a:ln>
+            <a:headEnd type="none" w="med" len="med"/>
+            <a:tailEnd type="arrow" w="med" len="med"/>
+          </a:ln>
+          <a:scene3d>
+            <a:camera prst="orthographicFront"/>
+            <a:lightRig rig="threePt" dir="t"/>
+          </a:scene3d>
+          <a:sp3d>
+            <a:bevelT w="152400" h="50800" prst="softRound"/>
+          </a:sp3d>
+        </p:spPr>
+        <p:style>
+          <a:lnRef idx="3">
+            <a:schemeClr val="accent2"/>
+          </a:lnRef>
+          <a:fillRef idx="0">
+            <a:schemeClr val="accent2"/>
+          </a:fillRef>
+          <a:effectRef idx="2">
+            <a:schemeClr val="accent2"/>
+          </a:effectRef>
+          <a:fontRef idx="minor">
+            <a:schemeClr val="tx1"/>
+          </a:fontRef>
+        </p:style>
+      </p:cxnSp>
+      <p:sp>
+        <p:nvSpPr>
+          <p:cNvPr id="35" name="TextBox 34"/>
           <p:cNvSpPr txBox="1"/>
           <p:nvPr/>
         </p:nvSpPr>
         <p:spPr>
           <a:xfrm>
-            <a:off x="1288936" y="4770268"/>
-            <a:ext cx="3583510" cy="1200329"/>
+            <a:off x="1041491" y="3924254"/>
+            <a:ext cx="4523286" cy="1200329"/>
           </a:xfrm>
           <a:prstGeom prst="rect">
             <a:avLst/>
@@ -8081,15 +8078,111 @@
           <a:p>
             <a:r>
               <a:rPr lang="de-DE" dirty="0"/>
-              <a:t>Die &lt;div&gt;, die die Warnung (&lt;h3&gt;, &lt;p&gt;) enthält kriegt auch eine </a:t>
+              <a:t>Die drei &lt;</a:t>
             </a:r>
             <a:r>
               <a:rPr lang="de-DE" dirty="0" err="1"/>
-              <a:t>Id</a:t>
-            </a:r>
-            <a:r>
-              <a:rPr lang="de-DE" dirty="0"/>
-              <a:t> zugewiesen, um später dynamisch angezeigt zu werden.</a:t>
+              <a:t>td</a:t>
+            </a:r>
+            <a:r>
+              <a:rPr lang="de-DE" dirty="0"/>
+              <a:t>&gt; Elemente sind die Datenzellen. Sie können mit allen Elementen befüllt werden. Hier stehen die entsprechenden Inhalte: &lt;</a:t>
+            </a:r>
+            <a:r>
+              <a:rPr lang="de-DE" dirty="0" err="1"/>
+              <a:t>img</a:t>
+            </a:r>
+            <a:r>
+              <a:rPr lang="de-DE" dirty="0"/>
+              <a:t>&gt;, </a:t>
+            </a:r>
+            <a:r>
+              <a:rPr lang="de-DE" dirty="0" err="1"/>
+              <a:t>text</a:t>
+            </a:r>
+            <a:r>
+              <a:rPr lang="de-DE" dirty="0"/>
+              <a:t>, &lt;a&gt;. </a:t>
+            </a:r>
+          </a:p>
+        </p:txBody>
+      </p:sp>
+      <p:cxnSp>
+        <p:nvCxnSpPr>
+          <p:cNvPr id="36" name="Straight Arrow Connector 35"/>
+          <p:cNvCxnSpPr>
+            <a:cxnSpLocks/>
+          </p:cNvCxnSpPr>
+          <p:nvPr/>
+        </p:nvCxnSpPr>
+        <p:spPr>
+          <a:xfrm flipV="1">
+            <a:off x="5011205" y="5255124"/>
+            <a:ext cx="1814325" cy="309653"/>
+          </a:xfrm>
+          <a:prstGeom prst="straightConnector1">
+            <a:avLst/>
+          </a:prstGeom>
+          <a:ln>
+            <a:headEnd type="none" w="med" len="med"/>
+            <a:tailEnd type="arrow" w="med" len="med"/>
+          </a:ln>
+          <a:scene3d>
+            <a:camera prst="orthographicFront"/>
+            <a:lightRig rig="threePt" dir="t"/>
+          </a:scene3d>
+          <a:sp3d>
+            <a:bevelT w="152400" h="50800" prst="softRound"/>
+          </a:sp3d>
+        </p:spPr>
+        <p:style>
+          <a:lnRef idx="3">
+            <a:schemeClr val="accent2"/>
+          </a:lnRef>
+          <a:fillRef idx="0">
+            <a:schemeClr val="accent2"/>
+          </a:fillRef>
+          <a:effectRef idx="2">
+            <a:schemeClr val="accent2"/>
+          </a:effectRef>
+          <a:fontRef idx="minor">
+            <a:schemeClr val="tx1"/>
+          </a:fontRef>
+        </p:style>
+      </p:cxnSp>
+      <p:sp>
+        <p:nvSpPr>
+          <p:cNvPr id="39" name="TextBox 38"/>
+          <p:cNvSpPr txBox="1"/>
+          <p:nvPr/>
+        </p:nvSpPr>
+        <p:spPr>
+          <a:xfrm>
+            <a:off x="130628" y="5316171"/>
+            <a:ext cx="4880577" cy="1477328"/>
+          </a:xfrm>
+          <a:prstGeom prst="rect">
+            <a:avLst/>
+          </a:prstGeom>
+          <a:noFill/>
+        </p:spPr>
+        <p:txBody>
+          <a:bodyPr wrap="square" rtlCol="0">
+            <a:spAutoFit/>
+          </a:bodyPr>
+          <a:lstStyle/>
+          <a:p>
+            <a:r>
+              <a:rPr lang="de-DE" dirty="0"/>
+              <a:t>Die Klasse „</a:t>
+            </a:r>
+            <a:r>
+              <a:rPr lang="de-DE" dirty="0" err="1"/>
+              <a:t>overview</a:t>
+            </a:r>
+            <a:r>
+              <a:rPr lang="de-DE" dirty="0"/>
+              <a:t>“ dient zum Stylen mit Hilfe von CSS. Auf die kann sowohl direkt als auch über Elemente zugegriffen werden. So kann man verschiedene Styles auf verschiedene Elemente mit derselben Klasse anwenden.</a:t>
             </a:r>
           </a:p>
         </p:txBody>
@@ -8097,7 +8190,7 @@
     </p:spTree>
     <p:extLst>
       <p:ext uri="{BB962C8B-B14F-4D97-AF65-F5344CB8AC3E}">
-        <p14:creationId xmlns:p14="http://schemas.microsoft.com/office/powerpoint/2010/main" val="68242493"/>
+        <p14:creationId xmlns:p14="http://schemas.microsoft.com/office/powerpoint/2010/main" val="3137529075"/>
       </p:ext>
     </p:extLst>
   </p:cSld>
